--- a/src/assets/Documentación/TIF_Store_presentación.pptx
+++ b/src/assets/Documentación/TIF_Store_presentación.pptx
@@ -5,28 +5,26 @@
     <p:sldMasterId id="2147483660" r:id="rId4"/>
   </p:sldMasterIdLst>
   <p:notesMasterIdLst>
-    <p:notesMasterId r:id="rId24"/>
+    <p:notesMasterId r:id="rId22"/>
   </p:notesMasterIdLst>
   <p:sldIdLst>
     <p:sldId id="1060" r:id="rId5"/>
     <p:sldId id="289" r:id="rId6"/>
     <p:sldId id="733" r:id="rId7"/>
     <p:sldId id="1053" r:id="rId8"/>
-    <p:sldId id="1062" r:id="rId9"/>
-    <p:sldId id="261" r:id="rId10"/>
-    <p:sldId id="1061" r:id="rId11"/>
-    <p:sldId id="1073" r:id="rId12"/>
-    <p:sldId id="1063" r:id="rId13"/>
-    <p:sldId id="262" r:id="rId14"/>
-    <p:sldId id="1064" r:id="rId15"/>
-    <p:sldId id="269" r:id="rId16"/>
-    <p:sldId id="1065" r:id="rId17"/>
-    <p:sldId id="1052" r:id="rId18"/>
-    <p:sldId id="1072" r:id="rId19"/>
-    <p:sldId id="1055" r:id="rId20"/>
-    <p:sldId id="1066" r:id="rId21"/>
-    <p:sldId id="1054" r:id="rId22"/>
-    <p:sldId id="312" r:id="rId23"/>
+    <p:sldId id="1064" r:id="rId9"/>
+    <p:sldId id="269" r:id="rId10"/>
+    <p:sldId id="1063" r:id="rId11"/>
+    <p:sldId id="262" r:id="rId12"/>
+    <p:sldId id="1062" r:id="rId13"/>
+    <p:sldId id="1073" r:id="rId14"/>
+    <p:sldId id="261" r:id="rId15"/>
+    <p:sldId id="1061" r:id="rId16"/>
+    <p:sldId id="1074" r:id="rId17"/>
+    <p:sldId id="1075" r:id="rId18"/>
+    <p:sldId id="1055" r:id="rId19"/>
+    <p:sldId id="1066" r:id="rId20"/>
+    <p:sldId id="312" r:id="rId21"/>
   </p:sldIdLst>
   <p:sldSz cx="12192000" cy="6858000"/>
   <p:notesSz cx="6858000" cy="9144000"/>
@@ -134,20 +132,18 @@
             <p14:sldId id="289"/>
             <p14:sldId id="733"/>
             <p14:sldId id="1053"/>
+            <p14:sldId id="1064"/>
+            <p14:sldId id="269"/>
+            <p14:sldId id="1063"/>
+            <p14:sldId id="262"/>
             <p14:sldId id="1062"/>
+            <p14:sldId id="1073"/>
             <p14:sldId id="261"/>
             <p14:sldId id="1061"/>
-            <p14:sldId id="1073"/>
-            <p14:sldId id="1063"/>
-            <p14:sldId id="262"/>
-            <p14:sldId id="1064"/>
-            <p14:sldId id="269"/>
-            <p14:sldId id="1065"/>
-            <p14:sldId id="1052"/>
-            <p14:sldId id="1072"/>
+            <p14:sldId id="1074"/>
+            <p14:sldId id="1075"/>
             <p14:sldId id="1055"/>
             <p14:sldId id="1066"/>
-            <p14:sldId id="1054"/>
             <p14:sldId id="312"/>
           </p14:sldIdLst>
         </p14:section>
@@ -277,7 +273,7 @@
           <a:p>
             <a:fld id="{DF775193-2728-724A-B382-CD9956951DDA}" type="datetimeFigureOut">
               <a:rPr lang="en-GB" smtClean="0"/>
-              <a:t>14/03/2023</a:t>
+              <a:t>15/03/2023</a:t>
             </a:fld>
             <a:endParaRPr lang="en-GB" dirty="0"/>
           </a:p>
@@ -5073,13 +5069,7 @@
       </p:grpSpPr>
       <p:sp>
         <p:nvSpPr>
-          <p:cNvPr id="80" name="Título 1">
-            <a:extLst>
-              <a:ext uri="{FF2B5EF4-FFF2-40B4-BE49-F238E27FC236}">
-                <a16:creationId xmlns:a16="http://schemas.microsoft.com/office/drawing/2014/main" id="{7542B37D-8F5F-6940-8FD1-494C1B7AF72D}"/>
-              </a:ext>
-            </a:extLst>
-          </p:cNvPr>
+          <p:cNvPr id="2" name="Título 1"/>
           <p:cNvSpPr>
             <a:spLocks noGrp="1"/>
           </p:cNvSpPr>
@@ -5089,325 +5079,53 @@
         </p:nvSpPr>
         <p:spPr>
           <a:xfrm>
-            <a:off x="1387955" y="613066"/>
-            <a:ext cx="10194444" cy="430887"/>
+            <a:off x="-2152414" y="614267"/>
+            <a:ext cx="10194444" cy="859371"/>
           </a:xfrm>
-          <a:noFill/>
-          <a:ln>
-            <a:noFill/>
-          </a:ln>
         </p:spPr>
         <p:txBody>
-          <a:bodyPr vert="horz" wrap="square" lIns="0" tIns="0" rIns="0" bIns="0" rtlCol="0" anchor="b" anchorCtr="0">
-            <a:spAutoFit/>
-          </a:bodyPr>
+          <a:bodyPr/>
           <a:lstStyle/>
           <a:p>
-            <a:pPr algn="l" defTabSz="914400"/>
-            <a:r>
-              <a:rPr lang="es-ES" dirty="0">
-                <a:solidFill>
-                  <a:schemeClr val="tx2">
-                    <a:lumMod val="75000"/>
-                  </a:schemeClr>
-                </a:solidFill>
-                <a:latin typeface="+mn-lt"/>
-                <a:ea typeface="+mn-ea"/>
-                <a:cs typeface="Lato Light"/>
-              </a:rPr>
-              <a:t>Requerimientos de sistema</a:t>
-            </a:r>
-            <a:endParaRPr lang="es-CL" dirty="0">
-              <a:solidFill>
-                <a:schemeClr val="tx2">
-                  <a:lumMod val="75000"/>
-                </a:schemeClr>
-              </a:solidFill>
-              <a:latin typeface="+mn-lt"/>
-              <a:ea typeface="+mn-ea"/>
-              <a:cs typeface="Lato Light"/>
-            </a:endParaRPr>
+            <a:r>
+              <a:rPr lang="es-ES" dirty="0"/>
+              <a:t>Rol cliente:</a:t>
+            </a:r>
+            <a:br>
+              <a:rPr lang="es-ES" dirty="0"/>
+            </a:br>
+            <a:endParaRPr lang="es-MX" dirty="0"/>
           </a:p>
         </p:txBody>
       </p:sp>
-      <p:sp>
-        <p:nvSpPr>
-          <p:cNvPr id="81" name="Marcador de contenido 3">
-            <a:extLst>
-              <a:ext uri="{FF2B5EF4-FFF2-40B4-BE49-F238E27FC236}">
-                <a16:creationId xmlns:a16="http://schemas.microsoft.com/office/drawing/2014/main" id="{C24A2C55-B2A8-DFF9-361F-96D8D76B5656}"/>
-              </a:ext>
-            </a:extLst>
-          </p:cNvPr>
-          <p:cNvSpPr txBox="1">
-            <a:spLocks/>
-          </p:cNvSpPr>
+      <p:pic>
+        <p:nvPicPr>
+          <p:cNvPr id="3" name="Imagen 2"/>
+          <p:cNvPicPr>
+            <a:picLocks noChangeAspect="1"/>
+          </p:cNvPicPr>
           <p:nvPr/>
-        </p:nvSpPr>
+        </p:nvPicPr>
+        <p:blipFill>
+          <a:blip r:embed="rId2"/>
+          <a:stretch>
+            <a:fillRect/>
+          </a:stretch>
+        </p:blipFill>
         <p:spPr>
           <a:xfrm>
-            <a:off x="622978" y="1478210"/>
-            <a:ext cx="6715667" cy="3467548"/>
+            <a:off x="876642" y="1843902"/>
+            <a:ext cx="10648832" cy="3009452"/>
           </a:xfrm>
           <a:prstGeom prst="rect">
             <a:avLst/>
           </a:prstGeom>
         </p:spPr>
-        <p:txBody>
-          <a:bodyPr>
-            <a:normAutofit/>
-          </a:bodyPr>
-          <a:lstStyle>
-            <a:lvl1pPr marL="0" indent="0" algn="l" defTabSz="457200" rtl="0" eaLnBrk="1" latinLnBrk="0" hangingPunct="1">
-              <a:spcBef>
-                <a:spcPts val="0"/>
-              </a:spcBef>
-              <a:spcAft>
-                <a:spcPts val="600"/>
-              </a:spcAft>
-              <a:buFontTx/>
-              <a:buNone/>
-              <a:defRPr sz="2000" kern="1200">
-                <a:solidFill>
-                  <a:schemeClr val="tx1"/>
-                </a:solidFill>
-                <a:latin typeface="+mn-lt"/>
-                <a:ea typeface="+mn-ea"/>
-                <a:cs typeface="Arial"/>
-              </a:defRPr>
-            </a:lvl1pPr>
-            <a:lvl2pPr marL="230188" indent="-230188" algn="l" defTabSz="457200" rtl="0" eaLnBrk="1" latinLnBrk="0" hangingPunct="1">
-              <a:spcBef>
-                <a:spcPts val="0"/>
-              </a:spcBef>
-              <a:spcAft>
-                <a:spcPts val="600"/>
-              </a:spcAft>
-              <a:buSzPct val="90000"/>
-              <a:buFont typeface="Calibri" panose="020F0502020204030204" pitchFamily="34" charset="0"/>
-              <a:buChar char="•"/>
-              <a:defRPr sz="2000" kern="1200">
-                <a:solidFill>
-                  <a:schemeClr val="tx1"/>
-                </a:solidFill>
-                <a:latin typeface="+mn-lt"/>
-                <a:ea typeface="+mn-ea"/>
-                <a:cs typeface="Arial"/>
-              </a:defRPr>
-            </a:lvl2pPr>
-            <a:lvl3pPr marL="455613" indent="-225425" algn="l" defTabSz="457200" rtl="0" eaLnBrk="1" latinLnBrk="0" hangingPunct="1">
-              <a:spcBef>
-                <a:spcPts val="0"/>
-              </a:spcBef>
-              <a:spcAft>
-                <a:spcPts val="600"/>
-              </a:spcAft>
-              <a:buFont typeface="Lucida Grande"/>
-              <a:buChar char="-"/>
-              <a:defRPr sz="1800" kern="1200">
-                <a:solidFill>
-                  <a:schemeClr val="tx1"/>
-                </a:solidFill>
-                <a:latin typeface="+mn-lt"/>
-                <a:ea typeface="+mn-ea"/>
-                <a:cs typeface="Arial"/>
-              </a:defRPr>
-            </a:lvl3pPr>
-            <a:lvl4pPr marL="685800" indent="-230188" algn="l" defTabSz="457200" rtl="0" eaLnBrk="1" latinLnBrk="0" hangingPunct="1">
-              <a:spcBef>
-                <a:spcPts val="0"/>
-              </a:spcBef>
-              <a:spcAft>
-                <a:spcPts val="300"/>
-              </a:spcAft>
-              <a:buFont typeface="Lucida Grande"/>
-              <a:buChar char="‣"/>
-              <a:defRPr sz="1600" kern="1200">
-                <a:solidFill>
-                  <a:schemeClr val="tx1"/>
-                </a:solidFill>
-                <a:latin typeface="+mn-lt"/>
-                <a:ea typeface="+mn-ea"/>
-                <a:cs typeface="Arial"/>
-              </a:defRPr>
-            </a:lvl4pPr>
-            <a:lvl5pPr marL="917575" indent="-231775" algn="l" defTabSz="457200" rtl="0" eaLnBrk="1" latinLnBrk="0" hangingPunct="1">
-              <a:spcBef>
-                <a:spcPts val="0"/>
-              </a:spcBef>
-              <a:spcAft>
-                <a:spcPts val="300"/>
-              </a:spcAft>
-              <a:buSzPct val="110000"/>
-              <a:buFont typeface="Arial"/>
-              <a:buChar char="◦"/>
-              <a:defRPr sz="1600" kern="1200">
-                <a:solidFill>
-                  <a:schemeClr val="tx1"/>
-                </a:solidFill>
-                <a:latin typeface="+mn-lt"/>
-                <a:ea typeface="+mn-ea"/>
-                <a:cs typeface="Arial"/>
-              </a:defRPr>
-            </a:lvl5pPr>
-            <a:lvl6pPr marL="2514600" indent="-228600" algn="l" defTabSz="457200" rtl="0" eaLnBrk="1" latinLnBrk="0" hangingPunct="1">
-              <a:spcBef>
-                <a:spcPct val="20000"/>
-              </a:spcBef>
-              <a:buFont typeface="Arial"/>
-              <a:buChar char="•"/>
-              <a:defRPr sz="2000" kern="1200">
-                <a:solidFill>
-                  <a:schemeClr val="tx1"/>
-                </a:solidFill>
-                <a:latin typeface="+mn-lt"/>
-                <a:ea typeface="+mn-ea"/>
-                <a:cs typeface="+mn-cs"/>
-              </a:defRPr>
-            </a:lvl6pPr>
-            <a:lvl7pPr marL="2971800" indent="-228600" algn="l" defTabSz="457200" rtl="0" eaLnBrk="1" latinLnBrk="0" hangingPunct="1">
-              <a:spcBef>
-                <a:spcPct val="20000"/>
-              </a:spcBef>
-              <a:buFont typeface="Arial"/>
-              <a:buChar char="•"/>
-              <a:defRPr sz="2000" kern="1200">
-                <a:solidFill>
-                  <a:schemeClr val="tx1"/>
-                </a:solidFill>
-                <a:latin typeface="+mn-lt"/>
-                <a:ea typeface="+mn-ea"/>
-                <a:cs typeface="+mn-cs"/>
-              </a:defRPr>
-            </a:lvl7pPr>
-            <a:lvl8pPr marL="3429000" indent="-228600" algn="l" defTabSz="457200" rtl="0" eaLnBrk="1" latinLnBrk="0" hangingPunct="1">
-              <a:spcBef>
-                <a:spcPct val="20000"/>
-              </a:spcBef>
-              <a:buFont typeface="Arial"/>
-              <a:buChar char="•"/>
-              <a:defRPr sz="2000" kern="1200">
-                <a:solidFill>
-                  <a:schemeClr val="tx1"/>
-                </a:solidFill>
-                <a:latin typeface="+mn-lt"/>
-                <a:ea typeface="+mn-ea"/>
-                <a:cs typeface="+mn-cs"/>
-              </a:defRPr>
-            </a:lvl8pPr>
-            <a:lvl9pPr marL="3886200" indent="-228600" algn="l" defTabSz="457200" rtl="0" eaLnBrk="1" latinLnBrk="0" hangingPunct="1">
-              <a:spcBef>
-                <a:spcPct val="20000"/>
-              </a:spcBef>
-              <a:buFont typeface="Arial"/>
-              <a:buChar char="•"/>
-              <a:defRPr sz="2000" kern="1200">
-                <a:solidFill>
-                  <a:schemeClr val="tx1"/>
-                </a:solidFill>
-                <a:latin typeface="+mn-lt"/>
-                <a:ea typeface="+mn-ea"/>
-                <a:cs typeface="+mn-cs"/>
-              </a:defRPr>
-            </a:lvl9pPr>
-          </a:lstStyle>
-          <a:p>
-            <a:pPr marL="342900" indent="-342900">
-              <a:buFont typeface="Arial" panose="020B0604020202020204" pitchFamily="34" charset="0"/>
-              <a:buChar char="•"/>
-            </a:pPr>
-            <a:r>
-              <a:rPr lang="es-ES" sz="2400" dirty="0">
-                <a:solidFill>
-                  <a:schemeClr val="bg2"/>
-                </a:solidFill>
-              </a:rPr>
-              <a:t>Capacidad de controlar inventarios</a:t>
-            </a:r>
-          </a:p>
-          <a:p>
-            <a:pPr marL="342900" indent="-342900">
-              <a:buFont typeface="Arial" panose="020B0604020202020204" pitchFamily="34" charset="0"/>
-              <a:buChar char="•"/>
-            </a:pPr>
-            <a:r>
-              <a:rPr lang="es-ES" sz="2400" dirty="0">
-                <a:solidFill>
-                  <a:schemeClr val="bg2"/>
-                </a:solidFill>
-              </a:rPr>
-              <a:t>Roles del sistema: vendedor, cliente, administrador</a:t>
-            </a:r>
-          </a:p>
-          <a:p>
-            <a:pPr marL="342900" indent="-342900">
-              <a:buFont typeface="Arial" panose="020B0604020202020204" pitchFamily="34" charset="0"/>
-              <a:buChar char="•"/>
-            </a:pPr>
-            <a:r>
-              <a:rPr lang="es-ES" sz="2400" dirty="0">
-                <a:solidFill>
-                  <a:schemeClr val="bg2"/>
-                </a:solidFill>
-              </a:rPr>
-              <a:t>Permite  generar ingresos a través de las compras que se hayan realizado</a:t>
-            </a:r>
-            <a:endParaRPr lang="es-PE" sz="2400" dirty="0">
-              <a:solidFill>
-                <a:schemeClr val="bg2"/>
-              </a:solidFill>
-            </a:endParaRPr>
-          </a:p>
-          <a:p>
-            <a:pPr marL="744538" lvl="1" indent="-457200">
-              <a:buFont typeface="+mj-lt"/>
-              <a:buAutoNum type="arabicPeriod"/>
-            </a:pPr>
-            <a:endParaRPr lang="es-PE" dirty="0"/>
-          </a:p>
-          <a:p>
-            <a:pPr marL="744538" lvl="1" indent="-457200">
-              <a:buFont typeface="+mj-lt"/>
-              <a:buAutoNum type="arabicPeriod"/>
-            </a:pPr>
-            <a:endParaRPr lang="es-PE" dirty="0"/>
-          </a:p>
-          <a:p>
-            <a:pPr marL="744538" lvl="1" indent="-457200">
-              <a:buFont typeface="+mj-lt"/>
-              <a:buAutoNum type="arabicPeriod"/>
-            </a:pPr>
-            <a:endParaRPr lang="es-PE" dirty="0"/>
-          </a:p>
-          <a:p>
-            <a:pPr marL="744538" lvl="1" indent="-457200">
-              <a:buFont typeface="+mj-lt"/>
-              <a:buAutoNum type="arabicPeriod"/>
-            </a:pPr>
-            <a:endParaRPr lang="es-PE" dirty="0"/>
-          </a:p>
-          <a:p>
-            <a:pPr marL="744538" lvl="1" indent="-457200">
-              <a:buFont typeface="+mj-lt"/>
-              <a:buAutoNum type="arabicPeriod"/>
-            </a:pPr>
-            <a:endParaRPr lang="es-PE" dirty="0"/>
-          </a:p>
-          <a:p>
-            <a:endParaRPr lang="es-PE" dirty="0"/>
-          </a:p>
-          <a:p>
-            <a:endParaRPr lang="es-PE" dirty="0"/>
-          </a:p>
-          <a:p>
-            <a:endParaRPr lang="es-PE" dirty="0"/>
-          </a:p>
-        </p:txBody>
-      </p:sp>
+      </p:pic>
     </p:spTree>
     <p:extLst>
       <p:ext uri="{BB962C8B-B14F-4D97-AF65-F5344CB8AC3E}">
-        <p14:creationId xmlns:p14="http://schemas.microsoft.com/office/powerpoint/2010/main" val="174924296"/>
+        <p14:creationId xmlns:p14="http://schemas.microsoft.com/office/powerpoint/2010/main" val="464043530"/>
       </p:ext>
     </p:extLst>
   </p:cSld>
@@ -5448,10 +5166,10 @@
       </p:grpSpPr>
       <p:sp>
         <p:nvSpPr>
-          <p:cNvPr id="2" name="Marcador de contenido 1">
+          <p:cNvPr id="87" name="Título 1">
             <a:extLst>
               <a:ext uri="{FF2B5EF4-FFF2-40B4-BE49-F238E27FC236}">
-                <a16:creationId xmlns:a16="http://schemas.microsoft.com/office/drawing/2014/main" id="{78C39AD2-2255-A246-BCF6-C9A813FBADD3}"/>
+                <a16:creationId xmlns:a16="http://schemas.microsoft.com/office/drawing/2014/main" id="{5605051C-82C9-BA4C-B093-63413C28DC54}"/>
               </a:ext>
             </a:extLst>
           </p:cNvPr>
@@ -5459,32 +5177,31 @@
             <a:spLocks noGrp="1"/>
           </p:cNvSpPr>
           <p:nvPr>
-            <p:ph idx="1"/>
+            <p:ph type="title"/>
           </p:nvPr>
         </p:nvSpPr>
         <p:spPr>
           <a:xfrm>
-            <a:off x="993818" y="1001978"/>
-            <a:ext cx="4181572" cy="4854044"/>
+            <a:off x="1387954" y="864906"/>
+            <a:ext cx="10194444" cy="430887"/>
           </a:xfrm>
+          <a:noFill/>
+          <a:ln>
+            <a:noFill/>
+          </a:ln>
         </p:spPr>
         <p:txBody>
-          <a:bodyPr anchor="ctr"/>
+          <a:bodyPr vert="horz" wrap="square" lIns="0" tIns="0" rIns="0" bIns="0" rtlCol="0" anchor="b" anchorCtr="0">
+            <a:spAutoFit/>
+          </a:bodyPr>
           <a:lstStyle/>
           <a:p>
-            <a:pPr algn="ctr"/>
-            <a:r>
-              <a:rPr lang="es-ES" dirty="0">
-                <a:solidFill>
-                  <a:schemeClr val="tx2">
-                    <a:lumMod val="75000"/>
-                  </a:schemeClr>
-                </a:solidFill>
-                <a:cs typeface="Lato Light"/>
-              </a:rPr>
-              <a:t>Metodología implementada</a:t>
-            </a:r>
-            <a:endParaRPr lang="es-ES" dirty="0">
+            <a:pPr algn="l" defTabSz="914400"/>
+            <a:r>
+              <a:rPr lang="es-MX" dirty="0"/>
+              <a:t>Rol: Administrador</a:t>
+            </a:r>
+            <a:endParaRPr lang="es-CL" dirty="0">
               <a:solidFill>
                 <a:schemeClr val="tx2">
                   <a:lumMod val="75000"/>
@@ -5495,16 +5212,45 @@
               <a:cs typeface="Lato Light"/>
             </a:endParaRPr>
           </a:p>
-          <a:p>
-            <a:pPr algn="ctr"/>
-            <a:endParaRPr lang="es-PE" dirty="0"/>
-          </a:p>
         </p:txBody>
       </p:sp>
+      <p:pic>
+        <p:nvPicPr>
+          <p:cNvPr id="8" name="Imagen 7"/>
+          <p:cNvPicPr/>
+          <p:nvPr/>
+        </p:nvPicPr>
+        <p:blipFill>
+          <a:blip r:embed="rId2" cstate="print">
+            <a:extLst>
+              <a:ext uri="{28A0092B-C50C-407E-A947-70E740481C1C}">
+                <a14:useLocalDpi xmlns:a14="http://schemas.microsoft.com/office/drawing/2010/main" val="0"/>
+              </a:ext>
+            </a:extLst>
+          </a:blip>
+          <a:srcRect/>
+          <a:stretch>
+            <a:fillRect/>
+          </a:stretch>
+        </p:blipFill>
+        <p:spPr bwMode="auto">
+          <a:xfrm>
+            <a:off x="2729132" y="1948962"/>
+            <a:ext cx="5608320" cy="4038600"/>
+          </a:xfrm>
+          <a:prstGeom prst="rect">
+            <a:avLst/>
+          </a:prstGeom>
+          <a:noFill/>
+          <a:ln>
+            <a:noFill/>
+          </a:ln>
+        </p:spPr>
+      </p:pic>
     </p:spTree>
     <p:extLst>
       <p:ext uri="{BB962C8B-B14F-4D97-AF65-F5344CB8AC3E}">
-        <p14:creationId xmlns:p14="http://schemas.microsoft.com/office/powerpoint/2010/main" val="728265432"/>
+        <p14:creationId xmlns:p14="http://schemas.microsoft.com/office/powerpoint/2010/main" val="3150007912"/>
       </p:ext>
     </p:extLst>
   </p:cSld>
@@ -5545,10 +5291,10 @@
       </p:grpSpPr>
       <p:sp>
         <p:nvSpPr>
-          <p:cNvPr id="54" name="Título 1">
+          <p:cNvPr id="87" name="Título 1">
             <a:extLst>
               <a:ext uri="{FF2B5EF4-FFF2-40B4-BE49-F238E27FC236}">
-                <a16:creationId xmlns:a16="http://schemas.microsoft.com/office/drawing/2014/main" id="{C94235C5-33E3-2540-BB65-BB921767B0B1}"/>
+                <a16:creationId xmlns:a16="http://schemas.microsoft.com/office/drawing/2014/main" id="{5605051C-82C9-BA4C-B093-63413C28DC54}"/>
               </a:ext>
             </a:extLst>
           </p:cNvPr>
@@ -5561,7 +5307,7 @@
         </p:nvSpPr>
         <p:spPr>
           <a:xfrm>
-            <a:off x="1387955" y="613066"/>
+            <a:off x="1387954" y="864906"/>
             <a:ext cx="10194444" cy="430887"/>
           </a:xfrm>
           <a:noFill/>
@@ -5577,18 +5323,10 @@
           <a:p>
             <a:pPr algn="l" defTabSz="914400"/>
             <a:r>
-              <a:rPr lang="es-MX" b="1" dirty="0" err="1"/>
-              <a:t>Metodolgia</a:t>
-            </a:r>
-            <a:r>
-              <a:rPr lang="es-MX" b="1" dirty="0"/>
-              <a:t> </a:t>
-            </a:r>
-            <a:r>
-              <a:rPr lang="es-MX" b="1" dirty="0" err="1"/>
-              <a:t>Scrum</a:t>
-            </a:r>
-            <a:endParaRPr lang="es-CL" b="1" dirty="0">
+              <a:rPr lang="es-MX" dirty="0"/>
+              <a:t>Rol vendedor:</a:t>
+            </a:r>
+            <a:endParaRPr lang="es-CL" dirty="0">
               <a:solidFill>
                 <a:schemeClr val="tx2">
                   <a:lumMod val="75000"/>
@@ -5601,416 +5339,43 @@
           </a:p>
         </p:txBody>
       </p:sp>
-      <p:sp>
-        <p:nvSpPr>
-          <p:cNvPr id="56" name="Marcador de contenido 3">
+      <p:pic>
+        <p:nvPicPr>
+          <p:cNvPr id="21" name="Imagen 20"/>
+          <p:cNvPicPr/>
+          <p:nvPr/>
+        </p:nvPicPr>
+        <p:blipFill>
+          <a:blip r:embed="rId2" cstate="print">
             <a:extLst>
-              <a:ext uri="{FF2B5EF4-FFF2-40B4-BE49-F238E27FC236}">
-                <a16:creationId xmlns:a16="http://schemas.microsoft.com/office/drawing/2014/main" id="{ACB71436-F632-E446-37EB-E595E993142C}"/>
+              <a:ext uri="{28A0092B-C50C-407E-A947-70E740481C1C}">
+                <a14:useLocalDpi xmlns:a14="http://schemas.microsoft.com/office/drawing/2010/main" val="0"/>
               </a:ext>
             </a:extLst>
-          </p:cNvPr>
-          <p:cNvSpPr txBox="1">
-            <a:spLocks/>
-          </p:cNvSpPr>
-          <p:nvPr/>
-        </p:nvSpPr>
-        <p:spPr>
+          </a:blip>
+          <a:srcRect/>
+          <a:stretch>
+            <a:fillRect/>
+          </a:stretch>
+        </p:blipFill>
+        <p:spPr bwMode="auto">
           <a:xfrm>
-            <a:off x="1387955" y="1936365"/>
-            <a:ext cx="6683106" cy="619266"/>
+            <a:off x="1601562" y="1974057"/>
+            <a:ext cx="7868530" cy="3139119"/>
           </a:xfrm>
           <a:prstGeom prst="rect">
             <a:avLst/>
           </a:prstGeom>
+          <a:noFill/>
+          <a:ln>
+            <a:noFill/>
+          </a:ln>
         </p:spPr>
-        <p:txBody>
-          <a:bodyPr>
-            <a:normAutofit/>
-          </a:bodyPr>
-          <a:lstStyle>
-            <a:lvl1pPr marL="0" indent="0" algn="l" defTabSz="457200" rtl="0" eaLnBrk="1" latinLnBrk="0" hangingPunct="1">
-              <a:spcBef>
-                <a:spcPts val="0"/>
-              </a:spcBef>
-              <a:spcAft>
-                <a:spcPts val="600"/>
-              </a:spcAft>
-              <a:buFontTx/>
-              <a:buNone/>
-              <a:defRPr sz="2000" kern="1200">
-                <a:solidFill>
-                  <a:schemeClr val="tx1"/>
-                </a:solidFill>
-                <a:latin typeface="+mn-lt"/>
-                <a:ea typeface="+mn-ea"/>
-                <a:cs typeface="Arial"/>
-              </a:defRPr>
-            </a:lvl1pPr>
-            <a:lvl2pPr marL="230188" indent="-230188" algn="l" defTabSz="457200" rtl="0" eaLnBrk="1" latinLnBrk="0" hangingPunct="1">
-              <a:spcBef>
-                <a:spcPts val="0"/>
-              </a:spcBef>
-              <a:spcAft>
-                <a:spcPts val="600"/>
-              </a:spcAft>
-              <a:buSzPct val="90000"/>
-              <a:buFont typeface="Calibri" panose="020F0502020204030204" pitchFamily="34" charset="0"/>
-              <a:buChar char="•"/>
-              <a:defRPr sz="2000" kern="1200">
-                <a:solidFill>
-                  <a:schemeClr val="tx1"/>
-                </a:solidFill>
-                <a:latin typeface="+mn-lt"/>
-                <a:ea typeface="+mn-ea"/>
-                <a:cs typeface="Arial"/>
-              </a:defRPr>
-            </a:lvl2pPr>
-            <a:lvl3pPr marL="455613" indent="-225425" algn="l" defTabSz="457200" rtl="0" eaLnBrk="1" latinLnBrk="0" hangingPunct="1">
-              <a:spcBef>
-                <a:spcPts val="0"/>
-              </a:spcBef>
-              <a:spcAft>
-                <a:spcPts val="600"/>
-              </a:spcAft>
-              <a:buFont typeface="Lucida Grande"/>
-              <a:buChar char="-"/>
-              <a:defRPr sz="1800" kern="1200">
-                <a:solidFill>
-                  <a:schemeClr val="tx1"/>
-                </a:solidFill>
-                <a:latin typeface="+mn-lt"/>
-                <a:ea typeface="+mn-ea"/>
-                <a:cs typeface="Arial"/>
-              </a:defRPr>
-            </a:lvl3pPr>
-            <a:lvl4pPr marL="685800" indent="-230188" algn="l" defTabSz="457200" rtl="0" eaLnBrk="1" latinLnBrk="0" hangingPunct="1">
-              <a:spcBef>
-                <a:spcPts val="0"/>
-              </a:spcBef>
-              <a:spcAft>
-                <a:spcPts val="300"/>
-              </a:spcAft>
-              <a:buFont typeface="Lucida Grande"/>
-              <a:buChar char="‣"/>
-              <a:defRPr sz="1600" kern="1200">
-                <a:solidFill>
-                  <a:schemeClr val="tx1"/>
-                </a:solidFill>
-                <a:latin typeface="+mn-lt"/>
-                <a:ea typeface="+mn-ea"/>
-                <a:cs typeface="Arial"/>
-              </a:defRPr>
-            </a:lvl4pPr>
-            <a:lvl5pPr marL="917575" indent="-231775" algn="l" defTabSz="457200" rtl="0" eaLnBrk="1" latinLnBrk="0" hangingPunct="1">
-              <a:spcBef>
-                <a:spcPts val="0"/>
-              </a:spcBef>
-              <a:spcAft>
-                <a:spcPts val="300"/>
-              </a:spcAft>
-              <a:buSzPct val="110000"/>
-              <a:buFont typeface="Arial"/>
-              <a:buChar char="◦"/>
-              <a:defRPr sz="1600" kern="1200">
-                <a:solidFill>
-                  <a:schemeClr val="tx1"/>
-                </a:solidFill>
-                <a:latin typeface="+mn-lt"/>
-                <a:ea typeface="+mn-ea"/>
-                <a:cs typeface="Arial"/>
-              </a:defRPr>
-            </a:lvl5pPr>
-            <a:lvl6pPr marL="2514600" indent="-228600" algn="l" defTabSz="457200" rtl="0" eaLnBrk="1" latinLnBrk="0" hangingPunct="1">
-              <a:spcBef>
-                <a:spcPct val="20000"/>
-              </a:spcBef>
-              <a:buFont typeface="Arial"/>
-              <a:buChar char="•"/>
-              <a:defRPr sz="2000" kern="1200">
-                <a:solidFill>
-                  <a:schemeClr val="tx1"/>
-                </a:solidFill>
-                <a:latin typeface="+mn-lt"/>
-                <a:ea typeface="+mn-ea"/>
-                <a:cs typeface="+mn-cs"/>
-              </a:defRPr>
-            </a:lvl6pPr>
-            <a:lvl7pPr marL="2971800" indent="-228600" algn="l" defTabSz="457200" rtl="0" eaLnBrk="1" latinLnBrk="0" hangingPunct="1">
-              <a:spcBef>
-                <a:spcPct val="20000"/>
-              </a:spcBef>
-              <a:buFont typeface="Arial"/>
-              <a:buChar char="•"/>
-              <a:defRPr sz="2000" kern="1200">
-                <a:solidFill>
-                  <a:schemeClr val="tx1"/>
-                </a:solidFill>
-                <a:latin typeface="+mn-lt"/>
-                <a:ea typeface="+mn-ea"/>
-                <a:cs typeface="+mn-cs"/>
-              </a:defRPr>
-            </a:lvl7pPr>
-            <a:lvl8pPr marL="3429000" indent="-228600" algn="l" defTabSz="457200" rtl="0" eaLnBrk="1" latinLnBrk="0" hangingPunct="1">
-              <a:spcBef>
-                <a:spcPct val="20000"/>
-              </a:spcBef>
-              <a:buFont typeface="Arial"/>
-              <a:buChar char="•"/>
-              <a:defRPr sz="2000" kern="1200">
-                <a:solidFill>
-                  <a:schemeClr val="tx1"/>
-                </a:solidFill>
-                <a:latin typeface="+mn-lt"/>
-                <a:ea typeface="+mn-ea"/>
-                <a:cs typeface="+mn-cs"/>
-              </a:defRPr>
-            </a:lvl8pPr>
-            <a:lvl9pPr marL="3886200" indent="-228600" algn="l" defTabSz="457200" rtl="0" eaLnBrk="1" latinLnBrk="0" hangingPunct="1">
-              <a:spcBef>
-                <a:spcPct val="20000"/>
-              </a:spcBef>
-              <a:buFont typeface="Arial"/>
-              <a:buChar char="•"/>
-              <a:defRPr sz="2000" kern="1200">
-                <a:solidFill>
-                  <a:schemeClr val="tx1"/>
-                </a:solidFill>
-                <a:latin typeface="+mn-lt"/>
-                <a:ea typeface="+mn-ea"/>
-                <a:cs typeface="+mn-cs"/>
-              </a:defRPr>
-            </a:lvl9pPr>
-          </a:lstStyle>
-          <a:p>
-            <a:r>
-              <a:rPr lang="es-ES" sz="2400" dirty="0">
-                <a:solidFill>
-                  <a:schemeClr val="bg2"/>
-                </a:solidFill>
-              </a:rPr>
-              <a:t>Objetivo: trabajar de manera colaborativa</a:t>
-            </a:r>
-          </a:p>
-          <a:p>
-            <a:endParaRPr lang="es-ES" sz="2400" dirty="0">
-              <a:solidFill>
-                <a:schemeClr val="bg2"/>
-              </a:solidFill>
-            </a:endParaRPr>
-          </a:p>
-          <a:p>
-            <a:endParaRPr lang="es-PE" dirty="0"/>
-          </a:p>
-        </p:txBody>
-      </p:sp>
-      <p:sp>
-        <p:nvSpPr>
-          <p:cNvPr id="6" name="Marcador de contenido 3">
-            <a:extLst>
-              <a:ext uri="{FF2B5EF4-FFF2-40B4-BE49-F238E27FC236}">
-                <a16:creationId xmlns:a16="http://schemas.microsoft.com/office/drawing/2014/main" id="{ACB71436-F632-E446-37EB-E595E993142C}"/>
-              </a:ext>
-            </a:extLst>
-          </p:cNvPr>
-          <p:cNvSpPr txBox="1">
-            <a:spLocks/>
-          </p:cNvSpPr>
-          <p:nvPr/>
-        </p:nvSpPr>
-        <p:spPr>
-          <a:xfrm>
-            <a:off x="1387955" y="2836985"/>
-            <a:ext cx="8937760" cy="3352799"/>
-          </a:xfrm>
-          <a:prstGeom prst="rect">
-            <a:avLst/>
-          </a:prstGeom>
-        </p:spPr>
-        <p:txBody>
-          <a:bodyPr>
-            <a:normAutofit/>
-          </a:bodyPr>
-          <a:lstStyle>
-            <a:lvl1pPr marL="0" indent="0" algn="l" defTabSz="457200" rtl="0" eaLnBrk="1" latinLnBrk="0" hangingPunct="1">
-              <a:spcBef>
-                <a:spcPts val="0"/>
-              </a:spcBef>
-              <a:spcAft>
-                <a:spcPts val="600"/>
-              </a:spcAft>
-              <a:buFontTx/>
-              <a:buNone/>
-              <a:defRPr sz="2000" kern="1200">
-                <a:solidFill>
-                  <a:schemeClr val="tx1"/>
-                </a:solidFill>
-                <a:latin typeface="+mn-lt"/>
-                <a:ea typeface="+mn-ea"/>
-                <a:cs typeface="Arial"/>
-              </a:defRPr>
-            </a:lvl1pPr>
-            <a:lvl2pPr marL="230188" indent="-230188" algn="l" defTabSz="457200" rtl="0" eaLnBrk="1" latinLnBrk="0" hangingPunct="1">
-              <a:spcBef>
-                <a:spcPts val="0"/>
-              </a:spcBef>
-              <a:spcAft>
-                <a:spcPts val="600"/>
-              </a:spcAft>
-              <a:buSzPct val="90000"/>
-              <a:buFont typeface="Calibri" panose="020F0502020204030204" pitchFamily="34" charset="0"/>
-              <a:buChar char="•"/>
-              <a:defRPr sz="2000" kern="1200">
-                <a:solidFill>
-                  <a:schemeClr val="tx1"/>
-                </a:solidFill>
-                <a:latin typeface="+mn-lt"/>
-                <a:ea typeface="+mn-ea"/>
-                <a:cs typeface="Arial"/>
-              </a:defRPr>
-            </a:lvl2pPr>
-            <a:lvl3pPr marL="455613" indent="-225425" algn="l" defTabSz="457200" rtl="0" eaLnBrk="1" latinLnBrk="0" hangingPunct="1">
-              <a:spcBef>
-                <a:spcPts val="0"/>
-              </a:spcBef>
-              <a:spcAft>
-                <a:spcPts val="600"/>
-              </a:spcAft>
-              <a:buFont typeface="Lucida Grande"/>
-              <a:buChar char="-"/>
-              <a:defRPr sz="1800" kern="1200">
-                <a:solidFill>
-                  <a:schemeClr val="tx1"/>
-                </a:solidFill>
-                <a:latin typeface="+mn-lt"/>
-                <a:ea typeface="+mn-ea"/>
-                <a:cs typeface="Arial"/>
-              </a:defRPr>
-            </a:lvl3pPr>
-            <a:lvl4pPr marL="685800" indent="-230188" algn="l" defTabSz="457200" rtl="0" eaLnBrk="1" latinLnBrk="0" hangingPunct="1">
-              <a:spcBef>
-                <a:spcPts val="0"/>
-              </a:spcBef>
-              <a:spcAft>
-                <a:spcPts val="300"/>
-              </a:spcAft>
-              <a:buFont typeface="Lucida Grande"/>
-              <a:buChar char="‣"/>
-              <a:defRPr sz="1600" kern="1200">
-                <a:solidFill>
-                  <a:schemeClr val="tx1"/>
-                </a:solidFill>
-                <a:latin typeface="+mn-lt"/>
-                <a:ea typeface="+mn-ea"/>
-                <a:cs typeface="Arial"/>
-              </a:defRPr>
-            </a:lvl4pPr>
-            <a:lvl5pPr marL="917575" indent="-231775" algn="l" defTabSz="457200" rtl="0" eaLnBrk="1" latinLnBrk="0" hangingPunct="1">
-              <a:spcBef>
-                <a:spcPts val="0"/>
-              </a:spcBef>
-              <a:spcAft>
-                <a:spcPts val="300"/>
-              </a:spcAft>
-              <a:buSzPct val="110000"/>
-              <a:buFont typeface="Arial"/>
-              <a:buChar char="◦"/>
-              <a:defRPr sz="1600" kern="1200">
-                <a:solidFill>
-                  <a:schemeClr val="tx1"/>
-                </a:solidFill>
-                <a:latin typeface="+mn-lt"/>
-                <a:ea typeface="+mn-ea"/>
-                <a:cs typeface="Arial"/>
-              </a:defRPr>
-            </a:lvl5pPr>
-            <a:lvl6pPr marL="2514600" indent="-228600" algn="l" defTabSz="457200" rtl="0" eaLnBrk="1" latinLnBrk="0" hangingPunct="1">
-              <a:spcBef>
-                <a:spcPct val="20000"/>
-              </a:spcBef>
-              <a:buFont typeface="Arial"/>
-              <a:buChar char="•"/>
-              <a:defRPr sz="2000" kern="1200">
-                <a:solidFill>
-                  <a:schemeClr val="tx1"/>
-                </a:solidFill>
-                <a:latin typeface="+mn-lt"/>
-                <a:ea typeface="+mn-ea"/>
-                <a:cs typeface="+mn-cs"/>
-              </a:defRPr>
-            </a:lvl6pPr>
-            <a:lvl7pPr marL="2971800" indent="-228600" algn="l" defTabSz="457200" rtl="0" eaLnBrk="1" latinLnBrk="0" hangingPunct="1">
-              <a:spcBef>
-                <a:spcPct val="20000"/>
-              </a:spcBef>
-              <a:buFont typeface="Arial"/>
-              <a:buChar char="•"/>
-              <a:defRPr sz="2000" kern="1200">
-                <a:solidFill>
-                  <a:schemeClr val="tx1"/>
-                </a:solidFill>
-                <a:latin typeface="+mn-lt"/>
-                <a:ea typeface="+mn-ea"/>
-                <a:cs typeface="+mn-cs"/>
-              </a:defRPr>
-            </a:lvl7pPr>
-            <a:lvl8pPr marL="3429000" indent="-228600" algn="l" defTabSz="457200" rtl="0" eaLnBrk="1" latinLnBrk="0" hangingPunct="1">
-              <a:spcBef>
-                <a:spcPct val="20000"/>
-              </a:spcBef>
-              <a:buFont typeface="Arial"/>
-              <a:buChar char="•"/>
-              <a:defRPr sz="2000" kern="1200">
-                <a:solidFill>
-                  <a:schemeClr val="tx1"/>
-                </a:solidFill>
-                <a:latin typeface="+mn-lt"/>
-                <a:ea typeface="+mn-ea"/>
-                <a:cs typeface="+mn-cs"/>
-              </a:defRPr>
-            </a:lvl8pPr>
-            <a:lvl9pPr marL="3886200" indent="-228600" algn="l" defTabSz="457200" rtl="0" eaLnBrk="1" latinLnBrk="0" hangingPunct="1">
-              <a:spcBef>
-                <a:spcPct val="20000"/>
-              </a:spcBef>
-              <a:buFont typeface="Arial"/>
-              <a:buChar char="•"/>
-              <a:defRPr sz="2000" kern="1200">
-                <a:solidFill>
-                  <a:schemeClr val="tx1"/>
-                </a:solidFill>
-                <a:latin typeface="+mn-lt"/>
-                <a:ea typeface="+mn-ea"/>
-                <a:cs typeface="+mn-cs"/>
-              </a:defRPr>
-            </a:lvl9pPr>
-          </a:lstStyle>
-          <a:p>
-            <a:r>
-              <a:rPr lang="es-ES" sz="2400" dirty="0">
-                <a:solidFill>
-                  <a:schemeClr val="bg2"/>
-                </a:solidFill>
-              </a:rPr>
-              <a:t>Aborda proyectos complejos desarrollados en entornos dinámicos y cambiantes de un modo flexible. Esta basada en entregas parciales y regulares del producto final en base al valor que ofrecen a los clientes</a:t>
-            </a:r>
-          </a:p>
-          <a:p>
-            <a:endParaRPr lang="es-ES" sz="2400" dirty="0">
-              <a:solidFill>
-                <a:schemeClr val="bg2"/>
-              </a:solidFill>
-            </a:endParaRPr>
-          </a:p>
-          <a:p>
-            <a:endParaRPr lang="es-PE" dirty="0"/>
-          </a:p>
-        </p:txBody>
-      </p:sp>
+      </p:pic>
     </p:spTree>
     <p:extLst>
       <p:ext uri="{BB962C8B-B14F-4D97-AF65-F5344CB8AC3E}">
-        <p14:creationId xmlns:p14="http://schemas.microsoft.com/office/powerpoint/2010/main" val="2345759070"/>
+        <p14:creationId xmlns:p14="http://schemas.microsoft.com/office/powerpoint/2010/main" val="616463572"/>
       </p:ext>
     </p:extLst>
   </p:cSld>
@@ -6054,7 +5419,7 @@
           <p:cNvPr id="2" name="Marcador de contenido 1">
             <a:extLst>
               <a:ext uri="{FF2B5EF4-FFF2-40B4-BE49-F238E27FC236}">
-                <a16:creationId xmlns:a16="http://schemas.microsoft.com/office/drawing/2014/main" id="{78C39AD2-2255-A246-BCF6-C9A813FBADD3}"/>
+                <a16:creationId xmlns:a16="http://schemas.microsoft.com/office/drawing/2014/main" id="{4B81B2D5-2143-8448-B84A-01D3E509B8D8}"/>
               </a:ext>
             </a:extLst>
           </p:cNvPr>
@@ -6067,53 +5432,25 @@
         </p:nvSpPr>
         <p:spPr>
           <a:xfrm>
-            <a:off x="993818" y="1001978"/>
-            <a:ext cx="4181572" cy="4854044"/>
+            <a:off x="1104176" y="2773372"/>
+            <a:ext cx="4991823" cy="2208062"/>
           </a:xfrm>
         </p:spPr>
         <p:txBody>
-          <a:bodyPr anchor="ctr"/>
+          <a:bodyPr/>
           <a:lstStyle/>
           <a:p>
-            <a:pPr algn="ctr"/>
-            <a:r>
-              <a:rPr lang="es-ES" dirty="0">
-                <a:solidFill>
-                  <a:schemeClr val="tx2">
-                    <a:lumMod val="75000"/>
-                  </a:schemeClr>
-                </a:solidFill>
-              </a:rPr>
-              <a:t>Demo </a:t>
-            </a:r>
-            <a:r>
-              <a:rPr lang="es-ES" dirty="0" err="1">
-                <a:solidFill>
-                  <a:schemeClr val="tx2">
-                    <a:lumMod val="75000"/>
-                  </a:schemeClr>
-                </a:solidFill>
-              </a:rPr>
-              <a:t>Tif</a:t>
-            </a:r>
-            <a:r>
-              <a:rPr lang="es-ES" dirty="0">
-                <a:solidFill>
-                  <a:schemeClr val="tx2">
-                    <a:lumMod val="75000"/>
-                  </a:schemeClr>
-                </a:solidFill>
-              </a:rPr>
-              <a:t> Store</a:t>
-            </a:r>
-            <a:endParaRPr lang="es-PE" dirty="0"/>
+            <a:r>
+              <a:rPr lang="es-PE" dirty="0"/>
+              <a:t>Documentación</a:t>
+            </a:r>
           </a:p>
         </p:txBody>
       </p:sp>
     </p:spTree>
     <p:extLst>
       <p:ext uri="{BB962C8B-B14F-4D97-AF65-F5344CB8AC3E}">
-        <p14:creationId xmlns:p14="http://schemas.microsoft.com/office/powerpoint/2010/main" val="1520177006"/>
+        <p14:creationId xmlns:p14="http://schemas.microsoft.com/office/powerpoint/2010/main" val="561866170"/>
       </p:ext>
     </p:extLst>
   </p:cSld>
@@ -6164,8 +5501,8 @@
         </p:nvSpPr>
         <p:spPr>
           <a:xfrm>
-            <a:off x="1387955" y="613066"/>
-            <a:ext cx="10194444" cy="430887"/>
+            <a:off x="532247" y="389105"/>
+            <a:ext cx="10194444" cy="3077766"/>
           </a:xfrm>
           <a:noFill/>
           <a:ln>
@@ -6190,10 +5527,10 @@
                 <a:ea typeface="+mn-ea"/>
                 <a:cs typeface="Lato Light"/>
               </a:rPr>
-              <a:t>Demo </a:t>
-            </a:r>
-            <a:r>
-              <a:rPr lang="es-ES" b="1" dirty="0" err="1">
+              <a:t>Documentación</a:t>
+            </a:r>
+            <a:br>
+              <a:rPr lang="es-ES" b="1" dirty="0">
                 <a:solidFill>
                   <a:schemeClr val="tx2">
                     <a:lumMod val="75000"/>
@@ -6203,10 +5540,9 @@
                 <a:ea typeface="+mn-ea"/>
                 <a:cs typeface="Lato Light"/>
               </a:rPr>
-              <a:t>Tif</a:t>
-            </a:r>
-            <a:r>
-              <a:rPr lang="es-ES" b="1" dirty="0">
+            </a:br>
+            <a:br>
+              <a:rPr lang="es-ES" sz="1600" dirty="0">
                 <a:solidFill>
                   <a:schemeClr val="tx2">
                     <a:lumMod val="75000"/>
@@ -6216,9 +5552,246 @@
                 <a:ea typeface="+mn-ea"/>
                 <a:cs typeface="Lato Light"/>
               </a:rPr>
-              <a:t> store</a:t>
-            </a:r>
-            <a:endParaRPr lang="es-CL" b="1" dirty="0">
+            </a:br>
+            <a:r>
+              <a:rPr lang="es-ES" sz="1600" dirty="0">
+                <a:solidFill>
+                  <a:srgbClr val="56AEE1"/>
+                </a:solidFill>
+                <a:latin typeface="+mn-lt"/>
+                <a:ea typeface="+mn-ea"/>
+                <a:cs typeface="Lato Light"/>
+              </a:rPr>
+              <a:t>La documentación se puede encontrar en la carpeta “</a:t>
+            </a:r>
+            <a:r>
+              <a:rPr lang="es-ES" sz="1600" dirty="0" err="1">
+                <a:solidFill>
+                  <a:srgbClr val="56AEE1"/>
+                </a:solidFill>
+                <a:latin typeface="+mn-lt"/>
+                <a:ea typeface="+mn-ea"/>
+                <a:cs typeface="Lato Light"/>
+              </a:rPr>
+              <a:t>Assets</a:t>
+            </a:r>
+            <a:r>
+              <a:rPr lang="es-ES" sz="1600" dirty="0">
+                <a:solidFill>
+                  <a:srgbClr val="56AEE1"/>
+                </a:solidFill>
+                <a:latin typeface="+mn-lt"/>
+                <a:ea typeface="+mn-ea"/>
+                <a:cs typeface="Lato Light"/>
+              </a:rPr>
+              <a:t>” dentro de la carpeta “</a:t>
+            </a:r>
+            <a:r>
+              <a:rPr lang="es-ES" sz="1600" dirty="0" err="1">
+                <a:solidFill>
+                  <a:srgbClr val="56AEE1"/>
+                </a:solidFill>
+                <a:latin typeface="+mn-lt"/>
+                <a:ea typeface="+mn-ea"/>
+                <a:cs typeface="Lato Light"/>
+              </a:rPr>
+              <a:t>src</a:t>
+            </a:r>
+            <a:r>
+              <a:rPr lang="es-ES" sz="1600" dirty="0">
+                <a:solidFill>
+                  <a:srgbClr val="56AEE1"/>
+                </a:solidFill>
+                <a:latin typeface="+mn-lt"/>
+                <a:ea typeface="+mn-ea"/>
+                <a:cs typeface="Lato Light"/>
+              </a:rPr>
+              <a:t>” del proyecto.</a:t>
+            </a:r>
+            <a:br>
+              <a:rPr lang="es-ES" sz="1600" dirty="0">
+                <a:solidFill>
+                  <a:srgbClr val="56AEE1"/>
+                </a:solidFill>
+                <a:latin typeface="+mn-lt"/>
+                <a:ea typeface="+mn-ea"/>
+                <a:cs typeface="Lato Light"/>
+              </a:rPr>
+            </a:br>
+            <a:r>
+              <a:rPr lang="es-ES" sz="1600" dirty="0">
+                <a:solidFill>
+                  <a:srgbClr val="56AEE1"/>
+                </a:solidFill>
+                <a:latin typeface="+mn-lt"/>
+                <a:ea typeface="+mn-ea"/>
+                <a:cs typeface="Lato Light"/>
+              </a:rPr>
+              <a:t>Para clonar el proyecto hacerlo se deben seguir los siguientes pasos:</a:t>
+            </a:r>
+            <a:br>
+              <a:rPr lang="es-ES" sz="1600" dirty="0">
+                <a:solidFill>
+                  <a:srgbClr val="56AEE1"/>
+                </a:solidFill>
+                <a:latin typeface="+mn-lt"/>
+                <a:ea typeface="+mn-ea"/>
+                <a:cs typeface="Lato Light"/>
+              </a:rPr>
+            </a:br>
+            <a:br>
+              <a:rPr lang="es-ES" sz="1600" dirty="0">
+                <a:solidFill>
+                  <a:srgbClr val="56AEE1"/>
+                </a:solidFill>
+                <a:latin typeface="+mn-lt"/>
+                <a:ea typeface="+mn-ea"/>
+                <a:cs typeface="Lato Light"/>
+              </a:rPr>
+            </a:br>
+            <a:r>
+              <a:rPr lang="es-ES" sz="1600" dirty="0">
+                <a:solidFill>
+                  <a:srgbClr val="56AEE1"/>
+                </a:solidFill>
+                <a:latin typeface="+mn-lt"/>
+                <a:ea typeface="+mn-ea"/>
+                <a:cs typeface="Lato Light"/>
+              </a:rPr>
+              <a:t>1. Abre la página del repositorio en GitHub y copia la URL del repositorio (https://github.com/Djespinosa/TifStore.git).</a:t>
+            </a:r>
+            <a:br>
+              <a:rPr lang="es-ES" sz="1600" dirty="0">
+                <a:solidFill>
+                  <a:srgbClr val="56AEE1"/>
+                </a:solidFill>
+                <a:latin typeface="+mn-lt"/>
+                <a:ea typeface="+mn-ea"/>
+                <a:cs typeface="Lato Light"/>
+              </a:rPr>
+            </a:br>
+            <a:br>
+              <a:rPr lang="es-ES" sz="1600" dirty="0">
+                <a:solidFill>
+                  <a:srgbClr val="56AEE1"/>
+                </a:solidFill>
+                <a:latin typeface="+mn-lt"/>
+                <a:ea typeface="+mn-ea"/>
+                <a:cs typeface="Lato Light"/>
+              </a:rPr>
+            </a:br>
+            <a:r>
+              <a:rPr lang="es-ES" sz="1600" dirty="0">
+                <a:solidFill>
+                  <a:srgbClr val="56AEE1"/>
+                </a:solidFill>
+                <a:latin typeface="+mn-lt"/>
+                <a:ea typeface="+mn-ea"/>
+                <a:cs typeface="Lato Light"/>
+              </a:rPr>
+              <a:t>2. Abre una terminal en tu computadora y ejecuta el siguiente comando: </a:t>
+            </a:r>
+            <a:r>
+              <a:rPr lang="es-ES" sz="1600" dirty="0" err="1">
+                <a:solidFill>
+                  <a:srgbClr val="56AEE1"/>
+                </a:solidFill>
+                <a:latin typeface="+mn-lt"/>
+                <a:ea typeface="+mn-ea"/>
+                <a:cs typeface="Lato Light"/>
+              </a:rPr>
+              <a:t>git</a:t>
+            </a:r>
+            <a:r>
+              <a:rPr lang="es-ES" sz="1600" dirty="0">
+                <a:solidFill>
+                  <a:srgbClr val="56AEE1"/>
+                </a:solidFill>
+                <a:latin typeface="+mn-lt"/>
+                <a:ea typeface="+mn-ea"/>
+                <a:cs typeface="Lato Light"/>
+              </a:rPr>
+              <a:t> clone -b </a:t>
+            </a:r>
+            <a:r>
+              <a:rPr lang="es-ES" sz="1600" dirty="0" err="1">
+                <a:solidFill>
+                  <a:srgbClr val="56AEE1"/>
+                </a:solidFill>
+                <a:latin typeface="+mn-lt"/>
+                <a:ea typeface="+mn-ea"/>
+                <a:cs typeface="Lato Light"/>
+              </a:rPr>
+              <a:t>dev</a:t>
+            </a:r>
+            <a:r>
+              <a:rPr lang="es-ES" sz="1600" dirty="0">
+                <a:solidFill>
+                  <a:srgbClr val="56AEE1"/>
+                </a:solidFill>
+                <a:latin typeface="+mn-lt"/>
+                <a:ea typeface="+mn-ea"/>
+                <a:cs typeface="Lato Light"/>
+              </a:rPr>
+              <a:t> &lt;URL del repositorio&gt;. Este comando clonará el repositorio en tu computadora y descargará la rama '</a:t>
+            </a:r>
+            <a:r>
+              <a:rPr lang="es-ES" sz="1600" dirty="0" err="1">
+                <a:solidFill>
+                  <a:srgbClr val="56AEE1"/>
+                </a:solidFill>
+                <a:latin typeface="+mn-lt"/>
+                <a:ea typeface="+mn-ea"/>
+                <a:cs typeface="Lato Light"/>
+              </a:rPr>
+              <a:t>dev</a:t>
+            </a:r>
+            <a:r>
+              <a:rPr lang="es-ES" sz="1600" dirty="0">
+                <a:solidFill>
+                  <a:srgbClr val="56AEE1"/>
+                </a:solidFill>
+                <a:latin typeface="+mn-lt"/>
+                <a:ea typeface="+mn-ea"/>
+                <a:cs typeface="Lato Light"/>
+              </a:rPr>
+              <a:t>' en lugar de la rama principal (generalmente llamada '</a:t>
+            </a:r>
+            <a:r>
+              <a:rPr lang="es-ES" sz="1600" dirty="0" err="1">
+                <a:solidFill>
+                  <a:srgbClr val="56AEE1"/>
+                </a:solidFill>
+                <a:latin typeface="+mn-lt"/>
+                <a:ea typeface="+mn-ea"/>
+                <a:cs typeface="Lato Light"/>
+              </a:rPr>
+              <a:t>main</a:t>
+            </a:r>
+            <a:r>
+              <a:rPr lang="es-ES" sz="1600" dirty="0">
+                <a:solidFill>
+                  <a:srgbClr val="56AEE1"/>
+                </a:solidFill>
+                <a:latin typeface="+mn-lt"/>
+                <a:ea typeface="+mn-ea"/>
+                <a:cs typeface="Lato Light"/>
+              </a:rPr>
+              <a:t>' o 'master’).</a:t>
+            </a:r>
+            <a:br>
+              <a:rPr lang="es-ES" sz="1800" dirty="0">
+                <a:solidFill>
+                  <a:schemeClr val="tx2">
+                    <a:lumMod val="75000"/>
+                  </a:schemeClr>
+                </a:solidFill>
+                <a:latin typeface="+mn-lt"/>
+                <a:ea typeface="+mn-ea"/>
+                <a:cs typeface="Lato Light"/>
+              </a:rPr>
+            </a:br>
+            <a:endParaRPr lang="es-CL" dirty="0">
               <a:solidFill>
                 <a:schemeClr val="tx2">
                   <a:lumMod val="75000"/>
@@ -6231,34 +5804,338 @@
           </a:p>
         </p:txBody>
       </p:sp>
-      <p:pic>
-        <p:nvPicPr>
-          <p:cNvPr id="5" name="Imagen 4"/>
-          <p:cNvPicPr>
-            <a:picLocks noChangeAspect="1"/>
-          </p:cNvPicPr>
+      <p:sp>
+        <p:nvSpPr>
+          <p:cNvPr id="17" name="Marcador de contenido 3">
+            <a:extLst>
+              <a:ext uri="{FF2B5EF4-FFF2-40B4-BE49-F238E27FC236}">
+                <a16:creationId xmlns:a16="http://schemas.microsoft.com/office/drawing/2014/main" id="{DE9510FB-ECD2-6FA8-7FD9-B7E8424D1D4B}"/>
+              </a:ext>
+            </a:extLst>
+          </p:cNvPr>
+          <p:cNvSpPr txBox="1">
+            <a:spLocks/>
+          </p:cNvSpPr>
           <p:nvPr/>
-        </p:nvPicPr>
-        <p:blipFill>
-          <a:blip r:embed="rId2"/>
-          <a:stretch>
-            <a:fillRect/>
-          </a:stretch>
-        </p:blipFill>
+        </p:nvSpPr>
         <p:spPr>
           <a:xfrm>
-            <a:off x="1387954" y="1559768"/>
-            <a:ext cx="9318087" cy="4161093"/>
+            <a:off x="466933" y="3248389"/>
+            <a:ext cx="10194444" cy="3072281"/>
           </a:xfrm>
           <a:prstGeom prst="rect">
             <a:avLst/>
           </a:prstGeom>
         </p:spPr>
-      </p:pic>
+        <p:txBody>
+          <a:bodyPr>
+            <a:normAutofit/>
+          </a:bodyPr>
+          <a:lstStyle>
+            <a:lvl1pPr marL="0" indent="0" algn="l" defTabSz="457200" rtl="0" eaLnBrk="1" latinLnBrk="0" hangingPunct="1">
+              <a:spcBef>
+                <a:spcPts val="0"/>
+              </a:spcBef>
+              <a:spcAft>
+                <a:spcPts val="600"/>
+              </a:spcAft>
+              <a:buFontTx/>
+              <a:buNone/>
+              <a:defRPr sz="2000" kern="1200">
+                <a:solidFill>
+                  <a:schemeClr val="tx1"/>
+                </a:solidFill>
+                <a:latin typeface="+mn-lt"/>
+                <a:ea typeface="+mn-ea"/>
+                <a:cs typeface="Arial"/>
+              </a:defRPr>
+            </a:lvl1pPr>
+            <a:lvl2pPr marL="230188" indent="-230188" algn="l" defTabSz="457200" rtl="0" eaLnBrk="1" latinLnBrk="0" hangingPunct="1">
+              <a:spcBef>
+                <a:spcPts val="0"/>
+              </a:spcBef>
+              <a:spcAft>
+                <a:spcPts val="600"/>
+              </a:spcAft>
+              <a:buSzPct val="90000"/>
+              <a:buFont typeface="Calibri" panose="020F0502020204030204" pitchFamily="34" charset="0"/>
+              <a:buChar char="•"/>
+              <a:defRPr sz="2000" kern="1200">
+                <a:solidFill>
+                  <a:schemeClr val="tx1"/>
+                </a:solidFill>
+                <a:latin typeface="+mn-lt"/>
+                <a:ea typeface="+mn-ea"/>
+                <a:cs typeface="Arial"/>
+              </a:defRPr>
+            </a:lvl2pPr>
+            <a:lvl3pPr marL="455613" indent="-225425" algn="l" defTabSz="457200" rtl="0" eaLnBrk="1" latinLnBrk="0" hangingPunct="1">
+              <a:spcBef>
+                <a:spcPts val="0"/>
+              </a:spcBef>
+              <a:spcAft>
+                <a:spcPts val="600"/>
+              </a:spcAft>
+              <a:buFont typeface="Lucida Grande"/>
+              <a:buChar char="-"/>
+              <a:defRPr sz="1800" kern="1200">
+                <a:solidFill>
+                  <a:schemeClr val="tx1"/>
+                </a:solidFill>
+                <a:latin typeface="+mn-lt"/>
+                <a:ea typeface="+mn-ea"/>
+                <a:cs typeface="Arial"/>
+              </a:defRPr>
+            </a:lvl3pPr>
+            <a:lvl4pPr marL="685800" indent="-230188" algn="l" defTabSz="457200" rtl="0" eaLnBrk="1" latinLnBrk="0" hangingPunct="1">
+              <a:spcBef>
+                <a:spcPts val="0"/>
+              </a:spcBef>
+              <a:spcAft>
+                <a:spcPts val="300"/>
+              </a:spcAft>
+              <a:buFont typeface="Lucida Grande"/>
+              <a:buChar char="‣"/>
+              <a:defRPr sz="1600" kern="1200">
+                <a:solidFill>
+                  <a:schemeClr val="tx1"/>
+                </a:solidFill>
+                <a:latin typeface="+mn-lt"/>
+                <a:ea typeface="+mn-ea"/>
+                <a:cs typeface="Arial"/>
+              </a:defRPr>
+            </a:lvl4pPr>
+            <a:lvl5pPr marL="917575" indent="-231775" algn="l" defTabSz="457200" rtl="0" eaLnBrk="1" latinLnBrk="0" hangingPunct="1">
+              <a:spcBef>
+                <a:spcPts val="0"/>
+              </a:spcBef>
+              <a:spcAft>
+                <a:spcPts val="300"/>
+              </a:spcAft>
+              <a:buSzPct val="110000"/>
+              <a:buFont typeface="Arial"/>
+              <a:buChar char="◦"/>
+              <a:defRPr sz="1600" kern="1200">
+                <a:solidFill>
+                  <a:schemeClr val="tx1"/>
+                </a:solidFill>
+                <a:latin typeface="+mn-lt"/>
+                <a:ea typeface="+mn-ea"/>
+                <a:cs typeface="Arial"/>
+              </a:defRPr>
+            </a:lvl5pPr>
+            <a:lvl6pPr marL="2514600" indent="-228600" algn="l" defTabSz="457200" rtl="0" eaLnBrk="1" latinLnBrk="0" hangingPunct="1">
+              <a:spcBef>
+                <a:spcPct val="20000"/>
+              </a:spcBef>
+              <a:buFont typeface="Arial"/>
+              <a:buChar char="•"/>
+              <a:defRPr sz="2000" kern="1200">
+                <a:solidFill>
+                  <a:schemeClr val="tx1"/>
+                </a:solidFill>
+                <a:latin typeface="+mn-lt"/>
+                <a:ea typeface="+mn-ea"/>
+                <a:cs typeface="+mn-cs"/>
+              </a:defRPr>
+            </a:lvl6pPr>
+            <a:lvl7pPr marL="2971800" indent="-228600" algn="l" defTabSz="457200" rtl="0" eaLnBrk="1" latinLnBrk="0" hangingPunct="1">
+              <a:spcBef>
+                <a:spcPct val="20000"/>
+              </a:spcBef>
+              <a:buFont typeface="Arial"/>
+              <a:buChar char="•"/>
+              <a:defRPr sz="2000" kern="1200">
+                <a:solidFill>
+                  <a:schemeClr val="tx1"/>
+                </a:solidFill>
+                <a:latin typeface="+mn-lt"/>
+                <a:ea typeface="+mn-ea"/>
+                <a:cs typeface="+mn-cs"/>
+              </a:defRPr>
+            </a:lvl7pPr>
+            <a:lvl8pPr marL="3429000" indent="-228600" algn="l" defTabSz="457200" rtl="0" eaLnBrk="1" latinLnBrk="0" hangingPunct="1">
+              <a:spcBef>
+                <a:spcPct val="20000"/>
+              </a:spcBef>
+              <a:buFont typeface="Arial"/>
+              <a:buChar char="•"/>
+              <a:defRPr sz="2000" kern="1200">
+                <a:solidFill>
+                  <a:schemeClr val="tx1"/>
+                </a:solidFill>
+                <a:latin typeface="+mn-lt"/>
+                <a:ea typeface="+mn-ea"/>
+                <a:cs typeface="+mn-cs"/>
+              </a:defRPr>
+            </a:lvl8pPr>
+            <a:lvl9pPr marL="3886200" indent="-228600" algn="l" defTabSz="457200" rtl="0" eaLnBrk="1" latinLnBrk="0" hangingPunct="1">
+              <a:spcBef>
+                <a:spcPct val="20000"/>
+              </a:spcBef>
+              <a:buFont typeface="Arial"/>
+              <a:buChar char="•"/>
+              <a:defRPr sz="2000" kern="1200">
+                <a:solidFill>
+                  <a:schemeClr val="tx1"/>
+                </a:solidFill>
+                <a:latin typeface="+mn-lt"/>
+                <a:ea typeface="+mn-ea"/>
+                <a:cs typeface="+mn-cs"/>
+              </a:defRPr>
+            </a:lvl9pPr>
+          </a:lstStyle>
+          <a:p>
+            <a:r>
+              <a:rPr lang="es-CO" sz="1600" dirty="0">
+                <a:solidFill>
+                  <a:schemeClr val="bg2"/>
+                </a:solidFill>
+              </a:rPr>
+              <a:t>Dentro de la carpeta documentación se encuentran los siguientes documentos:</a:t>
+            </a:r>
+          </a:p>
+          <a:p>
+            <a:pPr marL="342900" indent="-342900">
+              <a:buFont typeface="Arial" panose="020B0604020202020204" pitchFamily="34" charset="0"/>
+              <a:buChar char="•"/>
+            </a:pPr>
+            <a:r>
+              <a:rPr lang="es-CO" sz="1600" dirty="0">
+                <a:solidFill>
+                  <a:schemeClr val="bg2"/>
+                </a:solidFill>
+              </a:rPr>
+              <a:t>Manual de Implementación</a:t>
+            </a:r>
+          </a:p>
+          <a:p>
+            <a:r>
+              <a:rPr lang="es-CO" sz="1600" dirty="0">
+                <a:solidFill>
+                  <a:schemeClr val="bg2"/>
+                </a:solidFill>
+              </a:rPr>
+              <a:t>	- Tif_Store_Manual.pdf</a:t>
+            </a:r>
+          </a:p>
+          <a:p>
+            <a:pPr marL="342900" indent="-342900">
+              <a:buFont typeface="Arial" panose="020B0604020202020204" pitchFamily="34" charset="0"/>
+              <a:buChar char="•"/>
+            </a:pPr>
+            <a:r>
+              <a:rPr lang="es-CO" sz="1600" dirty="0" err="1">
+                <a:solidFill>
+                  <a:schemeClr val="bg2"/>
+                </a:solidFill>
+              </a:rPr>
+              <a:t>Prototipo_TIF_Store</a:t>
+            </a:r>
+            <a:endParaRPr lang="es-CO" sz="1600" dirty="0">
+              <a:solidFill>
+                <a:schemeClr val="bg2"/>
+              </a:solidFill>
+            </a:endParaRPr>
+          </a:p>
+          <a:p>
+            <a:r>
+              <a:rPr lang="es-CO" sz="1600" dirty="0">
+                <a:solidFill>
+                  <a:schemeClr val="bg2"/>
+                </a:solidFill>
+              </a:rPr>
+              <a:t>	- </a:t>
+            </a:r>
+            <a:r>
+              <a:rPr lang="es-ES" sz="1600" dirty="0" err="1">
+                <a:solidFill>
+                  <a:schemeClr val="bg2"/>
+                </a:solidFill>
+              </a:rPr>
+              <a:t>Prototipos_baja_fidelidad_Tif_Store</a:t>
+            </a:r>
+            <a:r>
+              <a:rPr lang="es-CO" sz="1600" dirty="0">
+                <a:solidFill>
+                  <a:schemeClr val="bg2"/>
+                </a:solidFill>
+              </a:rPr>
+              <a:t>.</a:t>
+            </a:r>
+            <a:r>
+              <a:rPr lang="es-CO" sz="1600" dirty="0" err="1">
+                <a:solidFill>
+                  <a:schemeClr val="bg2"/>
+                </a:solidFill>
+              </a:rPr>
+              <a:t>pdf</a:t>
+            </a:r>
+            <a:endParaRPr lang="es-CO" sz="1600" dirty="0">
+              <a:solidFill>
+                <a:schemeClr val="bg2"/>
+              </a:solidFill>
+            </a:endParaRPr>
+          </a:p>
+          <a:p>
+            <a:pPr marL="342900" indent="-342900">
+              <a:buFont typeface="Arial" panose="020B0604020202020204" pitchFamily="34" charset="0"/>
+              <a:buChar char="•"/>
+            </a:pPr>
+            <a:r>
+              <a:rPr lang="es-CO" sz="1600" dirty="0">
+                <a:solidFill>
+                  <a:schemeClr val="bg2"/>
+                </a:solidFill>
+              </a:rPr>
+              <a:t>QA</a:t>
+            </a:r>
+          </a:p>
+          <a:p>
+            <a:r>
+              <a:rPr lang="es-CO" sz="1600" dirty="0">
+                <a:solidFill>
+                  <a:schemeClr val="bg2"/>
+                </a:solidFill>
+              </a:rPr>
+              <a:t>	- Casos de prueba y reporte de bug</a:t>
+            </a:r>
+          </a:p>
+          <a:p>
+            <a:pPr marL="342900" indent="-342900">
+              <a:buFont typeface="Arial" panose="020B0604020202020204" pitchFamily="34" charset="0"/>
+              <a:buChar char="•"/>
+            </a:pPr>
+            <a:r>
+              <a:rPr lang="es-CO" sz="1600" dirty="0" err="1">
+                <a:solidFill>
+                  <a:schemeClr val="bg2"/>
+                </a:solidFill>
+              </a:rPr>
+              <a:t>Requerimientos_Sprints</a:t>
+            </a:r>
+            <a:endParaRPr lang="es-CO" sz="1600" dirty="0">
+              <a:solidFill>
+                <a:schemeClr val="bg2"/>
+              </a:solidFill>
+            </a:endParaRPr>
+          </a:p>
+          <a:p>
+            <a:r>
+              <a:rPr lang="es-CO" sz="1600" dirty="0">
+                <a:solidFill>
+                  <a:schemeClr val="bg2"/>
+                </a:solidFill>
+              </a:rPr>
+              <a:t>	- Tif_Store_Sprints.pdf</a:t>
+            </a:r>
+          </a:p>
+        </p:txBody>
+      </p:sp>
     </p:spTree>
     <p:extLst>
       <p:ext uri="{BB962C8B-B14F-4D97-AF65-F5344CB8AC3E}">
-        <p14:creationId xmlns:p14="http://schemas.microsoft.com/office/powerpoint/2010/main" val="1533928665"/>
+        <p14:creationId xmlns:p14="http://schemas.microsoft.com/office/powerpoint/2010/main" val="3330665913"/>
       </p:ext>
     </p:extLst>
   </p:cSld>
@@ -6281,6 +6158,81 @@
 </file>
 
 <file path=ppt/slides/slide15.xml><?xml version="1.0" encoding="utf-8"?>
+<p:sld xmlns:a="http://schemas.openxmlformats.org/drawingml/2006/main" xmlns:r="http://schemas.openxmlformats.org/officeDocument/2006/relationships" xmlns:p="http://schemas.openxmlformats.org/presentationml/2006/main">
+  <p:cSld>
+    <p:spTree>
+      <p:nvGrpSpPr>
+        <p:cNvPr id="1" name=""/>
+        <p:cNvGrpSpPr/>
+        <p:nvPr/>
+      </p:nvGrpSpPr>
+      <p:grpSpPr>
+        <a:xfrm>
+          <a:off x="0" y="0"/>
+          <a:ext cx="0" cy="0"/>
+          <a:chOff x="0" y="0"/>
+          <a:chExt cx="0" cy="0"/>
+        </a:xfrm>
+      </p:grpSpPr>
+      <p:sp>
+        <p:nvSpPr>
+          <p:cNvPr id="2" name="Marcador de contenido 1">
+            <a:extLst>
+              <a:ext uri="{FF2B5EF4-FFF2-40B4-BE49-F238E27FC236}">
+                <a16:creationId xmlns:a16="http://schemas.microsoft.com/office/drawing/2014/main" id="{4B81B2D5-2143-8448-B84A-01D3E509B8D8}"/>
+              </a:ext>
+            </a:extLst>
+          </p:cNvPr>
+          <p:cNvSpPr>
+            <a:spLocks noGrp="1"/>
+          </p:cNvSpPr>
+          <p:nvPr>
+            <p:ph idx="1"/>
+          </p:nvPr>
+        </p:nvSpPr>
+        <p:spPr>
+          <a:xfrm>
+            <a:off x="1104176" y="2773372"/>
+            <a:ext cx="4991823" cy="2208062"/>
+          </a:xfrm>
+        </p:spPr>
+        <p:txBody>
+          <a:bodyPr/>
+          <a:lstStyle/>
+          <a:p>
+            <a:r>
+              <a:rPr lang="es-PE" dirty="0"/>
+              <a:t>Resumen de Manual</a:t>
+            </a:r>
+          </a:p>
+        </p:txBody>
+      </p:sp>
+    </p:spTree>
+    <p:extLst>
+      <p:ext uri="{BB962C8B-B14F-4D97-AF65-F5344CB8AC3E}">
+        <p14:creationId xmlns:p14="http://schemas.microsoft.com/office/powerpoint/2010/main" val="2760375873"/>
+      </p:ext>
+    </p:extLst>
+  </p:cSld>
+  <p:clrMapOvr>
+    <a:masterClrMapping/>
+  </p:clrMapOvr>
+  <mc:AlternateContent xmlns:mc="http://schemas.openxmlformats.org/markup-compatibility/2006" xmlns:p14="http://schemas.microsoft.com/office/powerpoint/2010/main">
+    <mc:Choice Requires="p14">
+      <p:transition spd="med" p14:dur="700">
+        <p:fade/>
+      </p:transition>
+    </mc:Choice>
+    <mc:Fallback xmlns="">
+      <p:transition spd="med">
+        <p:fade/>
+      </p:transition>
+    </mc:Fallback>
+  </mc:AlternateContent>
+</p:sld>
+</file>
+
+<file path=ppt/slides/slide16.xml><?xml version="1.0" encoding="utf-8"?>
 <p:sld xmlns:a="http://schemas.openxmlformats.org/drawingml/2006/main" xmlns:r="http://schemas.openxmlformats.org/officeDocument/2006/relationships" xmlns:p="http://schemas.openxmlformats.org/presentationml/2006/main">
   <p:cSld>
     <p:spTree>
@@ -6335,256 +6287,6 @@
                 <a:ea typeface="+mn-ea"/>
                 <a:cs typeface="Lato Light"/>
               </a:rPr>
-              <a:t>Demo </a:t>
-            </a:r>
-            <a:r>
-              <a:rPr lang="es-ES" b="1" dirty="0" err="1">
-                <a:solidFill>
-                  <a:schemeClr val="tx2">
-                    <a:lumMod val="75000"/>
-                  </a:schemeClr>
-                </a:solidFill>
-                <a:latin typeface="+mn-lt"/>
-                <a:ea typeface="+mn-ea"/>
-                <a:cs typeface="Lato Light"/>
-              </a:rPr>
-              <a:t>Tif</a:t>
-            </a:r>
-            <a:r>
-              <a:rPr lang="es-ES" b="1" dirty="0">
-                <a:solidFill>
-                  <a:schemeClr val="tx2">
-                    <a:lumMod val="75000"/>
-                  </a:schemeClr>
-                </a:solidFill>
-                <a:latin typeface="+mn-lt"/>
-                <a:ea typeface="+mn-ea"/>
-                <a:cs typeface="Lato Light"/>
-              </a:rPr>
-              <a:t> store</a:t>
-            </a:r>
-            <a:endParaRPr lang="es-CL" b="1" dirty="0">
-              <a:solidFill>
-                <a:schemeClr val="tx2">
-                  <a:lumMod val="75000"/>
-                </a:schemeClr>
-              </a:solidFill>
-              <a:latin typeface="+mn-lt"/>
-              <a:ea typeface="+mn-ea"/>
-              <a:cs typeface="Lato Light"/>
-            </a:endParaRPr>
-          </a:p>
-        </p:txBody>
-      </p:sp>
-      <p:pic>
-        <p:nvPicPr>
-          <p:cNvPr id="5" name="Imagen 4"/>
-          <p:cNvPicPr>
-            <a:picLocks noChangeAspect="1"/>
-          </p:cNvPicPr>
-          <p:nvPr/>
-        </p:nvPicPr>
-        <p:blipFill>
-          <a:blip r:embed="rId2"/>
-          <a:stretch>
-            <a:fillRect/>
-          </a:stretch>
-        </p:blipFill>
-        <p:spPr>
-          <a:xfrm>
-            <a:off x="2004885" y="1525910"/>
-            <a:ext cx="8493224" cy="4194170"/>
-          </a:xfrm>
-          <a:prstGeom prst="rect">
-            <a:avLst/>
-          </a:prstGeom>
-        </p:spPr>
-      </p:pic>
-      <p:pic>
-        <p:nvPicPr>
-          <p:cNvPr id="4" name="Imagen 3">
-            <a:extLst>
-              <a:ext uri="{FF2B5EF4-FFF2-40B4-BE49-F238E27FC236}">
-                <a16:creationId xmlns:a16="http://schemas.microsoft.com/office/drawing/2014/main" id="{6CF58CF2-45FF-6471-1438-76F9BB4608B0}"/>
-              </a:ext>
-            </a:extLst>
-          </p:cNvPr>
-          <p:cNvPicPr>
-            <a:picLocks noChangeAspect="1"/>
-          </p:cNvPicPr>
-          <p:nvPr/>
-        </p:nvPicPr>
-        <p:blipFill>
-          <a:blip r:embed="rId3"/>
-          <a:stretch>
-            <a:fillRect/>
-          </a:stretch>
-        </p:blipFill>
-        <p:spPr>
-          <a:xfrm>
-            <a:off x="2004885" y="1240901"/>
-            <a:ext cx="8493223" cy="3876273"/>
-          </a:xfrm>
-          <a:prstGeom prst="rect">
-            <a:avLst/>
-          </a:prstGeom>
-        </p:spPr>
-      </p:pic>
-    </p:spTree>
-    <p:extLst>
-      <p:ext uri="{BB962C8B-B14F-4D97-AF65-F5344CB8AC3E}">
-        <p14:creationId xmlns:p14="http://schemas.microsoft.com/office/powerpoint/2010/main" val="3257727886"/>
-      </p:ext>
-    </p:extLst>
-  </p:cSld>
-  <p:clrMapOvr>
-    <a:masterClrMapping/>
-  </p:clrMapOvr>
-  <mc:AlternateContent xmlns:mc="http://schemas.openxmlformats.org/markup-compatibility/2006" xmlns:p14="http://schemas.microsoft.com/office/powerpoint/2010/main">
-    <mc:Choice Requires="p14">
-      <p:transition spd="med" p14:dur="700">
-        <p:fade/>
-      </p:transition>
-    </mc:Choice>
-    <mc:Fallback xmlns="">
-      <p:transition spd="med">
-        <p:fade/>
-      </p:transition>
-    </mc:Fallback>
-  </mc:AlternateContent>
-</p:sld>
-</file>
-
-<file path=ppt/slides/slide16.xml><?xml version="1.0" encoding="utf-8"?>
-<p:sld xmlns:a="http://schemas.openxmlformats.org/drawingml/2006/main" xmlns:r="http://schemas.openxmlformats.org/officeDocument/2006/relationships" xmlns:p="http://schemas.openxmlformats.org/presentationml/2006/main">
-  <p:cSld>
-    <p:spTree>
-      <p:nvGrpSpPr>
-        <p:cNvPr id="1" name=""/>
-        <p:cNvGrpSpPr/>
-        <p:nvPr/>
-      </p:nvGrpSpPr>
-      <p:grpSpPr>
-        <a:xfrm>
-          <a:off x="0" y="0"/>
-          <a:ext cx="0" cy="0"/>
-          <a:chOff x="0" y="0"/>
-          <a:chExt cx="0" cy="0"/>
-        </a:xfrm>
-      </p:grpSpPr>
-      <p:sp>
-        <p:nvSpPr>
-          <p:cNvPr id="2" name="Marcador de contenido 1">
-            <a:extLst>
-              <a:ext uri="{FF2B5EF4-FFF2-40B4-BE49-F238E27FC236}">
-                <a16:creationId xmlns:a16="http://schemas.microsoft.com/office/drawing/2014/main" id="{4B81B2D5-2143-8448-B84A-01D3E509B8D8}"/>
-              </a:ext>
-            </a:extLst>
-          </p:cNvPr>
-          <p:cNvSpPr>
-            <a:spLocks noGrp="1"/>
-          </p:cNvSpPr>
-          <p:nvPr>
-            <p:ph idx="1"/>
-          </p:nvPr>
-        </p:nvSpPr>
-        <p:spPr>
-          <a:xfrm>
-            <a:off x="1104176" y="2773372"/>
-            <a:ext cx="4991823" cy="2208062"/>
-          </a:xfrm>
-        </p:spPr>
-        <p:txBody>
-          <a:bodyPr/>
-          <a:lstStyle/>
-          <a:p>
-            <a:r>
-              <a:rPr lang="es-PE" dirty="0"/>
-              <a:t>Resumen de Manual</a:t>
-            </a:r>
-          </a:p>
-        </p:txBody>
-      </p:sp>
-    </p:spTree>
-    <p:extLst>
-      <p:ext uri="{BB962C8B-B14F-4D97-AF65-F5344CB8AC3E}">
-        <p14:creationId xmlns:p14="http://schemas.microsoft.com/office/powerpoint/2010/main" val="2760375873"/>
-      </p:ext>
-    </p:extLst>
-  </p:cSld>
-  <p:clrMapOvr>
-    <a:masterClrMapping/>
-  </p:clrMapOvr>
-  <mc:AlternateContent xmlns:mc="http://schemas.openxmlformats.org/markup-compatibility/2006" xmlns:p14="http://schemas.microsoft.com/office/powerpoint/2010/main">
-    <mc:Choice Requires="p14">
-      <p:transition spd="med" p14:dur="700">
-        <p:fade/>
-      </p:transition>
-    </mc:Choice>
-    <mc:Fallback xmlns="">
-      <p:transition spd="med">
-        <p:fade/>
-      </p:transition>
-    </mc:Fallback>
-  </mc:AlternateContent>
-</p:sld>
-</file>
-
-<file path=ppt/slides/slide17.xml><?xml version="1.0" encoding="utf-8"?>
-<p:sld xmlns:a="http://schemas.openxmlformats.org/drawingml/2006/main" xmlns:r="http://schemas.openxmlformats.org/officeDocument/2006/relationships" xmlns:p="http://schemas.openxmlformats.org/presentationml/2006/main">
-  <p:cSld>
-    <p:spTree>
-      <p:nvGrpSpPr>
-        <p:cNvPr id="1" name=""/>
-        <p:cNvGrpSpPr/>
-        <p:nvPr/>
-      </p:nvGrpSpPr>
-      <p:grpSpPr>
-        <a:xfrm>
-          <a:off x="0" y="0"/>
-          <a:ext cx="0" cy="0"/>
-          <a:chOff x="0" y="0"/>
-          <a:chExt cx="0" cy="0"/>
-        </a:xfrm>
-      </p:grpSpPr>
-      <p:sp>
-        <p:nvSpPr>
-          <p:cNvPr id="2" name="Título 1"/>
-          <p:cNvSpPr>
-            <a:spLocks noGrp="1"/>
-          </p:cNvSpPr>
-          <p:nvPr>
-            <p:ph type="title"/>
-          </p:nvPr>
-        </p:nvSpPr>
-        <p:spPr>
-          <a:xfrm>
-            <a:off x="1387955" y="613066"/>
-            <a:ext cx="10194444" cy="430887"/>
-          </a:xfrm>
-          <a:noFill/>
-          <a:ln>
-            <a:noFill/>
-          </a:ln>
-        </p:spPr>
-        <p:txBody>
-          <a:bodyPr vert="horz" wrap="square" lIns="0" tIns="0" rIns="0" bIns="0" rtlCol="0" anchor="b" anchorCtr="0">
-            <a:spAutoFit/>
-          </a:bodyPr>
-          <a:lstStyle/>
-          <a:p>
-            <a:pPr defTabSz="914400"/>
-            <a:r>
-              <a:rPr lang="es-ES" b="1" dirty="0">
-                <a:solidFill>
-                  <a:schemeClr val="tx2">
-                    <a:lumMod val="75000"/>
-                  </a:schemeClr>
-                </a:solidFill>
-                <a:latin typeface="+mn-lt"/>
-                <a:ea typeface="+mn-ea"/>
-                <a:cs typeface="Lato Light"/>
-              </a:rPr>
               <a:t>Resumen de manual</a:t>
             </a:r>
             <a:endParaRPr lang="es-CL" b="1" dirty="0">
@@ -6792,7 +6494,7 @@
                   <a:schemeClr val="bg2"/>
                 </a:solidFill>
               </a:rPr>
-              <a:t>Objetivo:</a:t>
+              <a:t>Objetivos.</a:t>
             </a:r>
           </a:p>
           <a:p>
@@ -6806,7 +6508,7 @@
                   <a:schemeClr val="bg2"/>
                 </a:solidFill>
               </a:rPr>
-              <a:t>Instruir al usuario en el uso del sistema y la solución brindada</a:t>
+              <a:t>Requerimientos técnicos del sistema.</a:t>
             </a:r>
           </a:p>
           <a:p>
@@ -6820,7 +6522,7 @@
                   <a:schemeClr val="bg2"/>
                 </a:solidFill>
               </a:rPr>
-              <a:t>Funciones del sistema</a:t>
+              <a:t>Requerimientos del sistema.</a:t>
             </a:r>
           </a:p>
           <a:p>
@@ -6834,7 +6536,77 @@
                   <a:schemeClr val="bg2"/>
                 </a:solidFill>
               </a:rPr>
-              <a:t>Requerimientos del sistema</a:t>
+              <a:t>Herramientas y / o tecnologías utilizadas para el desarrollo.</a:t>
+            </a:r>
+          </a:p>
+          <a:p>
+            <a:pPr marL="342900" indent="-342900">
+              <a:buFont typeface="Arial" panose="020B0604020202020204" pitchFamily="34" charset="0"/>
+              <a:buChar char="•"/>
+            </a:pPr>
+            <a:r>
+              <a:rPr lang="es-ES" sz="2400" dirty="0">
+                <a:solidFill>
+                  <a:schemeClr val="bg2"/>
+                </a:solidFill>
+              </a:rPr>
+              <a:t>Casos de uso.</a:t>
+            </a:r>
+          </a:p>
+          <a:p>
+            <a:pPr marL="342900" indent="-342900">
+              <a:buFont typeface="Arial" panose="020B0604020202020204" pitchFamily="34" charset="0"/>
+              <a:buChar char="•"/>
+            </a:pPr>
+            <a:r>
+              <a:rPr lang="es-ES" sz="2400" dirty="0">
+                <a:solidFill>
+                  <a:schemeClr val="bg2"/>
+                </a:solidFill>
+              </a:rPr>
+              <a:t>Rutas del sistema.</a:t>
+            </a:r>
+          </a:p>
+          <a:p>
+            <a:pPr marL="342900" indent="-342900">
+              <a:buFont typeface="Arial" panose="020B0604020202020204" pitchFamily="34" charset="0"/>
+              <a:buChar char="•"/>
+            </a:pPr>
+            <a:r>
+              <a:rPr lang="es-ES" sz="2400" dirty="0">
+                <a:solidFill>
+                  <a:schemeClr val="bg2"/>
+                </a:solidFill>
+              </a:rPr>
+              <a:t>Vistas y explicación de las mismas.</a:t>
+            </a:r>
+          </a:p>
+          <a:p>
+            <a:pPr marL="342900" indent="-342900">
+              <a:buFont typeface="Arial" panose="020B0604020202020204" pitchFamily="34" charset="0"/>
+              <a:buChar char="•"/>
+            </a:pPr>
+            <a:r>
+              <a:rPr lang="es-ES" sz="2400" dirty="0">
+                <a:solidFill>
+                  <a:schemeClr val="bg2"/>
+                </a:solidFill>
+              </a:rPr>
+              <a:t>Modelo Entidad – Relación de base de datos</a:t>
+            </a:r>
+          </a:p>
+          <a:p>
+            <a:pPr marL="342900" indent="-342900">
+              <a:buFont typeface="Arial" panose="020B0604020202020204" pitchFamily="34" charset="0"/>
+              <a:buChar char="•"/>
+            </a:pPr>
+            <a:r>
+              <a:rPr lang="es-ES" sz="2400" dirty="0">
+                <a:solidFill>
+                  <a:schemeClr val="bg2"/>
+                </a:solidFill>
+              </a:rPr>
+              <a:t>Diccionario de datos.</a:t>
             </a:r>
             <a:endParaRPr lang="es-PE" sz="2400" dirty="0">
               <a:solidFill>
@@ -6861,7 +6633,7 @@
               <a:buFont typeface="+mj-lt"/>
               <a:buAutoNum type="arabicPeriod"/>
             </a:pPr>
-            <a:endParaRPr lang="es-PE" dirty="0"/>
+            <a:endParaRPr lang="es-PE" u="sng" dirty="0"/>
           </a:p>
           <a:p>
             <a:pPr marL="744538" lvl="1" indent="-457200">
@@ -6888,29 +6660,6 @@
           </a:p>
         </p:txBody>
       </p:sp>
-      <p:pic>
-        <p:nvPicPr>
-          <p:cNvPr id="4" name="Imagen 3"/>
-          <p:cNvPicPr>
-            <a:picLocks noChangeAspect="1"/>
-          </p:cNvPicPr>
-          <p:nvPr/>
-        </p:nvPicPr>
-        <p:blipFill rotWithShape="1">
-          <a:blip r:embed="rId2"/>
-          <a:srcRect l="19867" t="17508" r="23633" b="10019"/>
-          <a:stretch/>
-        </p:blipFill>
-        <p:spPr>
-          <a:xfrm>
-            <a:off x="6002216" y="2297124"/>
-            <a:ext cx="4876800" cy="3516923"/>
-          </a:xfrm>
-          <a:prstGeom prst="rect">
-            <a:avLst/>
-          </a:prstGeom>
-        </p:spPr>
-      </p:pic>
     </p:spTree>
     <p:extLst>
       <p:ext uri="{BB962C8B-B14F-4D97-AF65-F5344CB8AC3E}">
@@ -6936,82 +6685,7 @@
 </p:sld>
 </file>
 
-<file path=ppt/slides/slide18.xml><?xml version="1.0" encoding="utf-8"?>
-<p:sld xmlns:a="http://schemas.openxmlformats.org/drawingml/2006/main" xmlns:r="http://schemas.openxmlformats.org/officeDocument/2006/relationships" xmlns:p="http://schemas.openxmlformats.org/presentationml/2006/main">
-  <p:cSld>
-    <p:spTree>
-      <p:nvGrpSpPr>
-        <p:cNvPr id="1" name=""/>
-        <p:cNvGrpSpPr/>
-        <p:nvPr/>
-      </p:nvGrpSpPr>
-      <p:grpSpPr>
-        <a:xfrm>
-          <a:off x="0" y="0"/>
-          <a:ext cx="0" cy="0"/>
-          <a:chOff x="0" y="0"/>
-          <a:chExt cx="0" cy="0"/>
-        </a:xfrm>
-      </p:grpSpPr>
-      <p:sp>
-        <p:nvSpPr>
-          <p:cNvPr id="2" name="Marcador de contenido 1">
-            <a:extLst>
-              <a:ext uri="{FF2B5EF4-FFF2-40B4-BE49-F238E27FC236}">
-                <a16:creationId xmlns:a16="http://schemas.microsoft.com/office/drawing/2014/main" id="{C022526F-4480-224C-9E1B-B536C838727F}"/>
-              </a:ext>
-            </a:extLst>
-          </p:cNvPr>
-          <p:cNvSpPr>
-            <a:spLocks noGrp="1"/>
-          </p:cNvSpPr>
-          <p:nvPr>
-            <p:ph idx="1"/>
-          </p:nvPr>
-        </p:nvSpPr>
-        <p:spPr>
-          <a:xfrm>
-            <a:off x="1104176" y="2773372"/>
-            <a:ext cx="4818951" cy="2098880"/>
-          </a:xfrm>
-        </p:spPr>
-        <p:txBody>
-          <a:bodyPr/>
-          <a:lstStyle/>
-          <a:p>
-            <a:r>
-              <a:rPr lang="es-PE" dirty="0"/>
-              <a:t>Presentación de sistema</a:t>
-            </a:r>
-          </a:p>
-        </p:txBody>
-      </p:sp>
-    </p:spTree>
-    <p:extLst>
-      <p:ext uri="{BB962C8B-B14F-4D97-AF65-F5344CB8AC3E}">
-        <p14:creationId xmlns:p14="http://schemas.microsoft.com/office/powerpoint/2010/main" val="1135708769"/>
-      </p:ext>
-    </p:extLst>
-  </p:cSld>
-  <p:clrMapOvr>
-    <a:masterClrMapping/>
-  </p:clrMapOvr>
-  <mc:AlternateContent xmlns:mc="http://schemas.openxmlformats.org/markup-compatibility/2006" xmlns:p14="http://schemas.microsoft.com/office/powerpoint/2010/main">
-    <mc:Choice Requires="p14">
-      <p:transition spd="med" p14:dur="700">
-        <p:fade/>
-      </p:transition>
-    </mc:Choice>
-    <mc:Fallback xmlns="">
-      <p:transition spd="med">
-        <p:fade/>
-      </p:transition>
-    </mc:Fallback>
-  </mc:AlternateContent>
-</p:sld>
-</file>
-
-<file path=ppt/slides/slide19.xml><?xml version="1.0" encoding="utf-8"?>
+<file path=ppt/slides/slide17.xml><?xml version="1.0" encoding="utf-8"?>
 <p:sld xmlns:a="http://schemas.openxmlformats.org/drawingml/2006/main" xmlns:r="http://schemas.openxmlformats.org/officeDocument/2006/relationships" xmlns:p="http://schemas.openxmlformats.org/presentationml/2006/main">
   <p:cSld>
     <p:spTree>
@@ -7333,7 +7007,7 @@
             </a:pPr>
             <a:r>
               <a:rPr lang="es-PE" b="0" dirty="0"/>
-              <a:t>Roles de sistema</a:t>
+              <a:t>Metodología implementada</a:t>
             </a:r>
           </a:p>
           <a:p>
@@ -7353,7 +7027,7 @@
             </a:pPr>
             <a:r>
               <a:rPr lang="es-PE" b="0" dirty="0"/>
-              <a:t>Metodología implementada</a:t>
+              <a:t>Roles de sistema.</a:t>
             </a:r>
           </a:p>
           <a:p>
@@ -7363,15 +7037,7 @@
             </a:pPr>
             <a:r>
               <a:rPr lang="es-PE" b="0" dirty="0"/>
-              <a:t>Demo </a:t>
-            </a:r>
-            <a:r>
-              <a:rPr lang="es-PE" b="0" dirty="0" err="1"/>
-              <a:t>Tif</a:t>
-            </a:r>
-            <a:r>
-              <a:rPr lang="es-PE" b="0" dirty="0"/>
-              <a:t> Store</a:t>
+              <a:t>Documentación</a:t>
             </a:r>
           </a:p>
           <a:p>
@@ -7381,37 +7047,8 @@
             </a:pPr>
             <a:r>
               <a:rPr lang="es-PE" b="0" dirty="0"/>
-              <a:t>Resumen manual</a:t>
-            </a:r>
-          </a:p>
-          <a:p>
-            <a:pPr marL="744538" lvl="1" indent="-457200">
-              <a:buFont typeface="+mj-lt"/>
-              <a:buAutoNum type="arabicPeriod"/>
-            </a:pPr>
-            <a:r>
-              <a:rPr lang="es-PE" b="0" dirty="0"/>
-              <a:t>Presentación </a:t>
-            </a:r>
-            <a:r>
-              <a:rPr lang="es-PE" b="0"/>
-              <a:t>de sistema</a:t>
-            </a:r>
-            <a:endParaRPr lang="es-PE" b="0" dirty="0"/>
-          </a:p>
-          <a:p>
-            <a:pPr marL="744538" lvl="1" indent="-457200">
-              <a:buFont typeface="+mj-lt"/>
-              <a:buAutoNum type="arabicPeriod"/>
-            </a:pPr>
-            <a:endParaRPr lang="es-PE" b="0" dirty="0"/>
-          </a:p>
-          <a:p>
-            <a:pPr marL="744538" lvl="1" indent="-457200">
-              <a:buFont typeface="+mj-lt"/>
-              <a:buAutoNum type="arabicPeriod"/>
-            </a:pPr>
-            <a:endParaRPr lang="es-PE" b="0" dirty="0"/>
+              <a:t>Resumen del manual.</a:t>
+            </a:r>
           </a:p>
           <a:p>
             <a:pPr marL="744538" lvl="1" indent="-457200">
@@ -7739,7 +7376,7 @@
             </a:pPr>
             <a:r>
               <a:rPr lang="es-MX" b="0" dirty="0"/>
-              <a:t>Espinoza Páez (Desarrollador)</a:t>
+              <a:t>Deymer José Espinoza Páez (Desarrollador)</a:t>
             </a:r>
           </a:p>
           <a:p>
@@ -7766,7 +7403,7 @@
             </a:r>
             <a:r>
               <a:rPr lang="es-MX" b="0" dirty="0"/>
-              <a:t> Tafur Mosquera (QA)</a:t>
+              <a:t> Tafur Mosquera (Scrum Master / QA)</a:t>
             </a:r>
           </a:p>
           <a:p>
@@ -7781,15 +7418,7 @@
             </a:pPr>
             <a:r>
               <a:rPr lang="es-ES" b="0" dirty="0"/>
-              <a:t>Lucia López </a:t>
-            </a:r>
-            <a:r>
-              <a:rPr lang="es-ES" b="0" dirty="0" err="1"/>
-              <a:t>Amayo</a:t>
-            </a:r>
-            <a:r>
-              <a:rPr lang="es-ES" b="0" dirty="0"/>
-              <a:t> (</a:t>
+              <a:t>Lucia López Amayo (</a:t>
             </a:r>
             <a:r>
               <a:rPr lang="es-ES" b="0" dirty="0" err="1"/>
@@ -7797,7 +7426,15 @@
             </a:r>
             <a:r>
               <a:rPr lang="es-ES" b="0" dirty="0"/>
-              <a:t> manager)</a:t>
+              <a:t> </a:t>
+            </a:r>
+            <a:r>
+              <a:rPr lang="es-ES" b="0" dirty="0" err="1"/>
+              <a:t>Owner</a:t>
+            </a:r>
+            <a:r>
+              <a:rPr lang="es-ES" b="0" dirty="0"/>
+              <a:t>)</a:t>
             </a:r>
             <a:endParaRPr lang="es-PE" b="0" dirty="0"/>
           </a:p>
@@ -7963,8 +7600,8 @@
         </p:nvSpPr>
         <p:spPr>
           <a:xfrm>
-            <a:off x="622978" y="1946030"/>
-            <a:ext cx="10396713" cy="2999727"/>
+            <a:off x="622978" y="1946031"/>
+            <a:ext cx="10396713" cy="1319684"/>
           </a:xfrm>
         </p:spPr>
         <p:txBody>
@@ -7973,79 +7610,23 @@
           </a:bodyPr>
           <a:lstStyle/>
           <a:p>
+            <a:pPr algn="just"/>
             <a:r>
               <a:rPr lang="es-ES" sz="2400" dirty="0">
                 <a:solidFill>
                   <a:schemeClr val="bg2"/>
                 </a:solidFill>
               </a:rPr>
-              <a:t>El sistema de ventas </a:t>
-            </a:r>
-            <a:r>
-              <a:rPr lang="es-ES" sz="2400" dirty="0" err="1">
+              <a:t>Implementar un sistema para TIF Store, que permita aumentar ventas y la interacción con el cliente,</a:t>
+            </a:r>
+            <a:r>
+              <a:rPr lang="es-ES" sz="2400" b="0" dirty="0">
                 <a:solidFill>
                   <a:schemeClr val="bg2"/>
                 </a:solidFill>
               </a:rPr>
-              <a:t>Tif</a:t>
-            </a:r>
-            <a:r>
-              <a:rPr lang="es-ES" sz="2400" dirty="0">
-                <a:solidFill>
-                  <a:schemeClr val="bg2"/>
-                </a:solidFill>
-              </a:rPr>
-              <a:t> Store, parte desde la necesidad de implementar un sistema que permita aumentar ventas y la interacción con el cliente.</a:t>
-            </a:r>
-          </a:p>
-          <a:p>
-            <a:r>
-              <a:rPr lang="es-ES" sz="2400" b="0" dirty="0">
-                <a:solidFill>
-                  <a:schemeClr val="bg2"/>
-                </a:solidFill>
-              </a:rPr>
-              <a:t>El sistema de ventas </a:t>
-            </a:r>
-            <a:r>
-              <a:rPr lang="es-ES" sz="2400" b="0" dirty="0" err="1">
-                <a:solidFill>
-                  <a:schemeClr val="bg2"/>
-                </a:solidFill>
-              </a:rPr>
-              <a:t>Tif</a:t>
-            </a:r>
-            <a:r>
-              <a:rPr lang="es-ES" sz="2400" b="0" dirty="0">
-                <a:solidFill>
-                  <a:schemeClr val="bg2"/>
-                </a:solidFill>
-              </a:rPr>
-              <a:t> Store, brinda una experiencia totalmente segura y personalizada al usuario</a:t>
-            </a:r>
-            <a:endParaRPr lang="es-PE" b="0" dirty="0"/>
-          </a:p>
-          <a:p>
-            <a:pPr marL="744538" lvl="1" indent="-457200">
-              <a:buFont typeface="+mj-lt"/>
-              <a:buAutoNum type="arabicPeriod"/>
-            </a:pPr>
-            <a:endParaRPr lang="es-PE" b="0" dirty="0"/>
-          </a:p>
-          <a:p>
-            <a:pPr marL="744538" lvl="1" indent="-457200">
-              <a:buFont typeface="+mj-lt"/>
-              <a:buAutoNum type="arabicPeriod"/>
-            </a:pPr>
-            <a:endParaRPr lang="es-PE" b="0" dirty="0"/>
-          </a:p>
-          <a:p>
-            <a:endParaRPr lang="es-PE" dirty="0"/>
-          </a:p>
-          <a:p>
-            <a:endParaRPr lang="es-PE" dirty="0"/>
-          </a:p>
-          <a:p>
+              <a:t> brindando una experiencia totalmente segura y personalizada al usuario, al administrador y al vendedor.</a:t>
+            </a:r>
             <a:endParaRPr lang="es-PE" dirty="0"/>
           </a:p>
         </p:txBody>
@@ -8126,12 +7707,23 @@
                     <a:lumMod val="75000"/>
                   </a:schemeClr>
                 </a:solidFill>
-                <a:latin typeface="+mn-lt"/>
-                <a:ea typeface="+mn-ea"/>
                 <a:cs typeface="Lato Light"/>
               </a:rPr>
-              <a:t>Roles del sistema</a:t>
-            </a:r>
+              <a:t>Metodología implementada</a:t>
+            </a:r>
+            <a:endParaRPr lang="es-ES" dirty="0">
+              <a:solidFill>
+                <a:schemeClr val="tx2">
+                  <a:lumMod val="75000"/>
+                </a:schemeClr>
+              </a:solidFill>
+              <a:latin typeface="+mn-lt"/>
+              <a:ea typeface="+mn-ea"/>
+              <a:cs typeface="Lato Light"/>
+            </a:endParaRPr>
+          </a:p>
+          <a:p>
+            <a:pPr algn="ctr"/>
             <a:endParaRPr lang="es-PE" dirty="0"/>
           </a:p>
         </p:txBody>
@@ -8139,7 +7731,7 @@
     </p:spTree>
     <p:extLst>
       <p:ext uri="{BB962C8B-B14F-4D97-AF65-F5344CB8AC3E}">
-        <p14:creationId xmlns:p14="http://schemas.microsoft.com/office/powerpoint/2010/main" val="2556971083"/>
+        <p14:creationId xmlns:p14="http://schemas.microsoft.com/office/powerpoint/2010/main" val="728265432"/>
       </p:ext>
     </p:extLst>
   </p:cSld>
@@ -8180,10 +7772,10 @@
       </p:grpSpPr>
       <p:sp>
         <p:nvSpPr>
-          <p:cNvPr id="87" name="Título 1">
+          <p:cNvPr id="54" name="Título 1">
             <a:extLst>
               <a:ext uri="{FF2B5EF4-FFF2-40B4-BE49-F238E27FC236}">
-                <a16:creationId xmlns:a16="http://schemas.microsoft.com/office/drawing/2014/main" id="{5605051C-82C9-BA4C-B093-63413C28DC54}"/>
+                <a16:creationId xmlns:a16="http://schemas.microsoft.com/office/drawing/2014/main" id="{C94235C5-33E3-2540-BB65-BB921767B0B1}"/>
               </a:ext>
             </a:extLst>
           </p:cNvPr>
@@ -8196,7 +7788,7 @@
         </p:nvSpPr>
         <p:spPr>
           <a:xfrm>
-            <a:off x="1387954" y="864906"/>
+            <a:off x="1387955" y="613066"/>
             <a:ext cx="10194444" cy="430887"/>
           </a:xfrm>
           <a:noFill/>
@@ -8212,10 +7804,10 @@
           <a:p>
             <a:pPr algn="l" defTabSz="914400"/>
             <a:r>
-              <a:rPr lang="es-MX" dirty="0"/>
-              <a:t>Rol: Administrador</a:t>
-            </a:r>
-            <a:endParaRPr lang="es-CL" dirty="0">
+              <a:rPr lang="es-MX" b="1" dirty="0"/>
+              <a:t>Metodología Scrum</a:t>
+            </a:r>
+            <a:endParaRPr lang="es-CL" b="1" dirty="0">
               <a:solidFill>
                 <a:schemeClr val="tx2">
                   <a:lumMod val="75000"/>
@@ -8228,43 +7820,538 @@
           </a:p>
         </p:txBody>
       </p:sp>
-      <p:pic>
-        <p:nvPicPr>
-          <p:cNvPr id="8" name="Imagen 7"/>
-          <p:cNvPicPr/>
-          <p:nvPr/>
-        </p:nvPicPr>
-        <p:blipFill>
-          <a:blip r:embed="rId2" cstate="print">
+      <p:sp>
+        <p:nvSpPr>
+          <p:cNvPr id="56" name="Marcador de contenido 3">
             <a:extLst>
-              <a:ext uri="{28A0092B-C50C-407E-A947-70E740481C1C}">
-                <a14:useLocalDpi xmlns:a14="http://schemas.microsoft.com/office/drawing/2010/main" val="0"/>
+              <a:ext uri="{FF2B5EF4-FFF2-40B4-BE49-F238E27FC236}">
+                <a16:creationId xmlns:a16="http://schemas.microsoft.com/office/drawing/2014/main" id="{ACB71436-F632-E446-37EB-E595E993142C}"/>
               </a:ext>
             </a:extLst>
-          </a:blip>
-          <a:srcRect/>
-          <a:stretch>
-            <a:fillRect/>
-          </a:stretch>
-        </p:blipFill>
-        <p:spPr bwMode="auto">
+          </p:cNvPr>
+          <p:cNvSpPr txBox="1">
+            <a:spLocks/>
+          </p:cNvSpPr>
+          <p:nvPr/>
+        </p:nvSpPr>
+        <p:spPr>
           <a:xfrm>
-            <a:off x="2729132" y="1948962"/>
-            <a:ext cx="5608320" cy="4038600"/>
+            <a:off x="1387954" y="1413850"/>
+            <a:ext cx="8847727" cy="1105416"/>
           </a:xfrm>
           <a:prstGeom prst="rect">
             <a:avLst/>
           </a:prstGeom>
-          <a:noFill/>
-          <a:ln>
-            <a:noFill/>
-          </a:ln>
         </p:spPr>
-      </p:pic>
+        <p:txBody>
+          <a:bodyPr>
+            <a:normAutofit/>
+          </a:bodyPr>
+          <a:lstStyle>
+            <a:lvl1pPr marL="0" indent="0" algn="l" defTabSz="457200" rtl="0" eaLnBrk="1" latinLnBrk="0" hangingPunct="1">
+              <a:spcBef>
+                <a:spcPts val="0"/>
+              </a:spcBef>
+              <a:spcAft>
+                <a:spcPts val="600"/>
+              </a:spcAft>
+              <a:buFontTx/>
+              <a:buNone/>
+              <a:defRPr sz="2000" kern="1200">
+                <a:solidFill>
+                  <a:schemeClr val="tx1"/>
+                </a:solidFill>
+                <a:latin typeface="+mn-lt"/>
+                <a:ea typeface="+mn-ea"/>
+                <a:cs typeface="Arial"/>
+              </a:defRPr>
+            </a:lvl1pPr>
+            <a:lvl2pPr marL="230188" indent="-230188" algn="l" defTabSz="457200" rtl="0" eaLnBrk="1" latinLnBrk="0" hangingPunct="1">
+              <a:spcBef>
+                <a:spcPts val="0"/>
+              </a:spcBef>
+              <a:spcAft>
+                <a:spcPts val="600"/>
+              </a:spcAft>
+              <a:buSzPct val="90000"/>
+              <a:buFont typeface="Calibri" panose="020F0502020204030204" pitchFamily="34" charset="0"/>
+              <a:buChar char="•"/>
+              <a:defRPr sz="2000" kern="1200">
+                <a:solidFill>
+                  <a:schemeClr val="tx1"/>
+                </a:solidFill>
+                <a:latin typeface="+mn-lt"/>
+                <a:ea typeface="+mn-ea"/>
+                <a:cs typeface="Arial"/>
+              </a:defRPr>
+            </a:lvl2pPr>
+            <a:lvl3pPr marL="455613" indent="-225425" algn="l" defTabSz="457200" rtl="0" eaLnBrk="1" latinLnBrk="0" hangingPunct="1">
+              <a:spcBef>
+                <a:spcPts val="0"/>
+              </a:spcBef>
+              <a:spcAft>
+                <a:spcPts val="600"/>
+              </a:spcAft>
+              <a:buFont typeface="Lucida Grande"/>
+              <a:buChar char="-"/>
+              <a:defRPr sz="1800" kern="1200">
+                <a:solidFill>
+                  <a:schemeClr val="tx1"/>
+                </a:solidFill>
+                <a:latin typeface="+mn-lt"/>
+                <a:ea typeface="+mn-ea"/>
+                <a:cs typeface="Arial"/>
+              </a:defRPr>
+            </a:lvl3pPr>
+            <a:lvl4pPr marL="685800" indent="-230188" algn="l" defTabSz="457200" rtl="0" eaLnBrk="1" latinLnBrk="0" hangingPunct="1">
+              <a:spcBef>
+                <a:spcPts val="0"/>
+              </a:spcBef>
+              <a:spcAft>
+                <a:spcPts val="300"/>
+              </a:spcAft>
+              <a:buFont typeface="Lucida Grande"/>
+              <a:buChar char="‣"/>
+              <a:defRPr sz="1600" kern="1200">
+                <a:solidFill>
+                  <a:schemeClr val="tx1"/>
+                </a:solidFill>
+                <a:latin typeface="+mn-lt"/>
+                <a:ea typeface="+mn-ea"/>
+                <a:cs typeface="Arial"/>
+              </a:defRPr>
+            </a:lvl4pPr>
+            <a:lvl5pPr marL="917575" indent="-231775" algn="l" defTabSz="457200" rtl="0" eaLnBrk="1" latinLnBrk="0" hangingPunct="1">
+              <a:spcBef>
+                <a:spcPts val="0"/>
+              </a:spcBef>
+              <a:spcAft>
+                <a:spcPts val="300"/>
+              </a:spcAft>
+              <a:buSzPct val="110000"/>
+              <a:buFont typeface="Arial"/>
+              <a:buChar char="◦"/>
+              <a:defRPr sz="1600" kern="1200">
+                <a:solidFill>
+                  <a:schemeClr val="tx1"/>
+                </a:solidFill>
+                <a:latin typeface="+mn-lt"/>
+                <a:ea typeface="+mn-ea"/>
+                <a:cs typeface="Arial"/>
+              </a:defRPr>
+            </a:lvl5pPr>
+            <a:lvl6pPr marL="2514600" indent="-228600" algn="l" defTabSz="457200" rtl="0" eaLnBrk="1" latinLnBrk="0" hangingPunct="1">
+              <a:spcBef>
+                <a:spcPct val="20000"/>
+              </a:spcBef>
+              <a:buFont typeface="Arial"/>
+              <a:buChar char="•"/>
+              <a:defRPr sz="2000" kern="1200">
+                <a:solidFill>
+                  <a:schemeClr val="tx1"/>
+                </a:solidFill>
+                <a:latin typeface="+mn-lt"/>
+                <a:ea typeface="+mn-ea"/>
+                <a:cs typeface="+mn-cs"/>
+              </a:defRPr>
+            </a:lvl6pPr>
+            <a:lvl7pPr marL="2971800" indent="-228600" algn="l" defTabSz="457200" rtl="0" eaLnBrk="1" latinLnBrk="0" hangingPunct="1">
+              <a:spcBef>
+                <a:spcPct val="20000"/>
+              </a:spcBef>
+              <a:buFont typeface="Arial"/>
+              <a:buChar char="•"/>
+              <a:defRPr sz="2000" kern="1200">
+                <a:solidFill>
+                  <a:schemeClr val="tx1"/>
+                </a:solidFill>
+                <a:latin typeface="+mn-lt"/>
+                <a:ea typeface="+mn-ea"/>
+                <a:cs typeface="+mn-cs"/>
+              </a:defRPr>
+            </a:lvl7pPr>
+            <a:lvl8pPr marL="3429000" indent="-228600" algn="l" defTabSz="457200" rtl="0" eaLnBrk="1" latinLnBrk="0" hangingPunct="1">
+              <a:spcBef>
+                <a:spcPct val="20000"/>
+              </a:spcBef>
+              <a:buFont typeface="Arial"/>
+              <a:buChar char="•"/>
+              <a:defRPr sz="2000" kern="1200">
+                <a:solidFill>
+                  <a:schemeClr val="tx1"/>
+                </a:solidFill>
+                <a:latin typeface="+mn-lt"/>
+                <a:ea typeface="+mn-ea"/>
+                <a:cs typeface="+mn-cs"/>
+              </a:defRPr>
+            </a:lvl8pPr>
+            <a:lvl9pPr marL="3886200" indent="-228600" algn="l" defTabSz="457200" rtl="0" eaLnBrk="1" latinLnBrk="0" hangingPunct="1">
+              <a:spcBef>
+                <a:spcPct val="20000"/>
+              </a:spcBef>
+              <a:buFont typeface="Arial"/>
+              <a:buChar char="•"/>
+              <a:defRPr sz="2000" kern="1200">
+                <a:solidFill>
+                  <a:schemeClr val="tx1"/>
+                </a:solidFill>
+                <a:latin typeface="+mn-lt"/>
+                <a:ea typeface="+mn-ea"/>
+                <a:cs typeface="+mn-cs"/>
+              </a:defRPr>
+            </a:lvl9pPr>
+          </a:lstStyle>
+          <a:p>
+            <a:pPr algn="just"/>
+            <a:r>
+              <a:rPr lang="es-ES" sz="1800" dirty="0">
+                <a:solidFill>
+                  <a:schemeClr val="bg2"/>
+                </a:solidFill>
+              </a:rPr>
+              <a:t>Objetivo: Proporcionar un marco de trabajo ágil y flexible que permita al equipo colaborar de manera efectiva para entregar un producto de alta calidad en plazos cortos de tiempo.</a:t>
+            </a:r>
+            <a:endParaRPr lang="es-PE" sz="1800" dirty="0"/>
+          </a:p>
+        </p:txBody>
+      </p:sp>
+      <p:sp>
+        <p:nvSpPr>
+          <p:cNvPr id="6" name="Marcador de contenido 3">
+            <a:extLst>
+              <a:ext uri="{FF2B5EF4-FFF2-40B4-BE49-F238E27FC236}">
+                <a16:creationId xmlns:a16="http://schemas.microsoft.com/office/drawing/2014/main" id="{ACB71436-F632-E446-37EB-E595E993142C}"/>
+              </a:ext>
+            </a:extLst>
+          </p:cNvPr>
+          <p:cNvSpPr txBox="1">
+            <a:spLocks/>
+          </p:cNvSpPr>
+          <p:nvPr/>
+        </p:nvSpPr>
+        <p:spPr>
+          <a:xfrm>
+            <a:off x="1387954" y="2289110"/>
+            <a:ext cx="8847727" cy="4307633"/>
+          </a:xfrm>
+          <a:prstGeom prst="rect">
+            <a:avLst/>
+          </a:prstGeom>
+        </p:spPr>
+        <p:txBody>
+          <a:bodyPr>
+            <a:noAutofit/>
+          </a:bodyPr>
+          <a:lstStyle>
+            <a:lvl1pPr marL="0" indent="0" algn="l" defTabSz="457200" rtl="0" eaLnBrk="1" latinLnBrk="0" hangingPunct="1">
+              <a:spcBef>
+                <a:spcPts val="0"/>
+              </a:spcBef>
+              <a:spcAft>
+                <a:spcPts val="600"/>
+              </a:spcAft>
+              <a:buFontTx/>
+              <a:buNone/>
+              <a:defRPr sz="2000" kern="1200">
+                <a:solidFill>
+                  <a:schemeClr val="tx1"/>
+                </a:solidFill>
+                <a:latin typeface="+mn-lt"/>
+                <a:ea typeface="+mn-ea"/>
+                <a:cs typeface="Arial"/>
+              </a:defRPr>
+            </a:lvl1pPr>
+            <a:lvl2pPr marL="230188" indent="-230188" algn="l" defTabSz="457200" rtl="0" eaLnBrk="1" latinLnBrk="0" hangingPunct="1">
+              <a:spcBef>
+                <a:spcPts val="0"/>
+              </a:spcBef>
+              <a:spcAft>
+                <a:spcPts val="600"/>
+              </a:spcAft>
+              <a:buSzPct val="90000"/>
+              <a:buFont typeface="Calibri" panose="020F0502020204030204" pitchFamily="34" charset="0"/>
+              <a:buChar char="•"/>
+              <a:defRPr sz="2000" kern="1200">
+                <a:solidFill>
+                  <a:schemeClr val="tx1"/>
+                </a:solidFill>
+                <a:latin typeface="+mn-lt"/>
+                <a:ea typeface="+mn-ea"/>
+                <a:cs typeface="Arial"/>
+              </a:defRPr>
+            </a:lvl2pPr>
+            <a:lvl3pPr marL="455613" indent="-225425" algn="l" defTabSz="457200" rtl="0" eaLnBrk="1" latinLnBrk="0" hangingPunct="1">
+              <a:spcBef>
+                <a:spcPts val="0"/>
+              </a:spcBef>
+              <a:spcAft>
+                <a:spcPts val="600"/>
+              </a:spcAft>
+              <a:buFont typeface="Lucida Grande"/>
+              <a:buChar char="-"/>
+              <a:defRPr sz="1800" kern="1200">
+                <a:solidFill>
+                  <a:schemeClr val="tx1"/>
+                </a:solidFill>
+                <a:latin typeface="+mn-lt"/>
+                <a:ea typeface="+mn-ea"/>
+                <a:cs typeface="Arial"/>
+              </a:defRPr>
+            </a:lvl3pPr>
+            <a:lvl4pPr marL="685800" indent="-230188" algn="l" defTabSz="457200" rtl="0" eaLnBrk="1" latinLnBrk="0" hangingPunct="1">
+              <a:spcBef>
+                <a:spcPts val="0"/>
+              </a:spcBef>
+              <a:spcAft>
+                <a:spcPts val="300"/>
+              </a:spcAft>
+              <a:buFont typeface="Lucida Grande"/>
+              <a:buChar char="‣"/>
+              <a:defRPr sz="1600" kern="1200">
+                <a:solidFill>
+                  <a:schemeClr val="tx1"/>
+                </a:solidFill>
+                <a:latin typeface="+mn-lt"/>
+                <a:ea typeface="+mn-ea"/>
+                <a:cs typeface="Arial"/>
+              </a:defRPr>
+            </a:lvl4pPr>
+            <a:lvl5pPr marL="917575" indent="-231775" algn="l" defTabSz="457200" rtl="0" eaLnBrk="1" latinLnBrk="0" hangingPunct="1">
+              <a:spcBef>
+                <a:spcPts val="0"/>
+              </a:spcBef>
+              <a:spcAft>
+                <a:spcPts val="300"/>
+              </a:spcAft>
+              <a:buSzPct val="110000"/>
+              <a:buFont typeface="Arial"/>
+              <a:buChar char="◦"/>
+              <a:defRPr sz="1600" kern="1200">
+                <a:solidFill>
+                  <a:schemeClr val="tx1"/>
+                </a:solidFill>
+                <a:latin typeface="+mn-lt"/>
+                <a:ea typeface="+mn-ea"/>
+                <a:cs typeface="Arial"/>
+              </a:defRPr>
+            </a:lvl5pPr>
+            <a:lvl6pPr marL="2514600" indent="-228600" algn="l" defTabSz="457200" rtl="0" eaLnBrk="1" latinLnBrk="0" hangingPunct="1">
+              <a:spcBef>
+                <a:spcPct val="20000"/>
+              </a:spcBef>
+              <a:buFont typeface="Arial"/>
+              <a:buChar char="•"/>
+              <a:defRPr sz="2000" kern="1200">
+                <a:solidFill>
+                  <a:schemeClr val="tx1"/>
+                </a:solidFill>
+                <a:latin typeface="+mn-lt"/>
+                <a:ea typeface="+mn-ea"/>
+                <a:cs typeface="+mn-cs"/>
+              </a:defRPr>
+            </a:lvl6pPr>
+            <a:lvl7pPr marL="2971800" indent="-228600" algn="l" defTabSz="457200" rtl="0" eaLnBrk="1" latinLnBrk="0" hangingPunct="1">
+              <a:spcBef>
+                <a:spcPct val="20000"/>
+              </a:spcBef>
+              <a:buFont typeface="Arial"/>
+              <a:buChar char="•"/>
+              <a:defRPr sz="2000" kern="1200">
+                <a:solidFill>
+                  <a:schemeClr val="tx1"/>
+                </a:solidFill>
+                <a:latin typeface="+mn-lt"/>
+                <a:ea typeface="+mn-ea"/>
+                <a:cs typeface="+mn-cs"/>
+              </a:defRPr>
+            </a:lvl7pPr>
+            <a:lvl8pPr marL="3429000" indent="-228600" algn="l" defTabSz="457200" rtl="0" eaLnBrk="1" latinLnBrk="0" hangingPunct="1">
+              <a:spcBef>
+                <a:spcPct val="20000"/>
+              </a:spcBef>
+              <a:buFont typeface="Arial"/>
+              <a:buChar char="•"/>
+              <a:defRPr sz="2000" kern="1200">
+                <a:solidFill>
+                  <a:schemeClr val="tx1"/>
+                </a:solidFill>
+                <a:latin typeface="+mn-lt"/>
+                <a:ea typeface="+mn-ea"/>
+                <a:cs typeface="+mn-cs"/>
+              </a:defRPr>
+            </a:lvl8pPr>
+            <a:lvl9pPr marL="3886200" indent="-228600" algn="l" defTabSz="457200" rtl="0" eaLnBrk="1" latinLnBrk="0" hangingPunct="1">
+              <a:spcBef>
+                <a:spcPct val="20000"/>
+              </a:spcBef>
+              <a:buFont typeface="Arial"/>
+              <a:buChar char="•"/>
+              <a:defRPr sz="2000" kern="1200">
+                <a:solidFill>
+                  <a:schemeClr val="tx1"/>
+                </a:solidFill>
+                <a:latin typeface="+mn-lt"/>
+                <a:ea typeface="+mn-ea"/>
+                <a:cs typeface="+mn-cs"/>
+              </a:defRPr>
+            </a:lvl9pPr>
+          </a:lstStyle>
+          <a:p>
+            <a:pPr algn="just"/>
+            <a:r>
+              <a:rPr lang="es-ES" sz="1800" dirty="0">
+                <a:solidFill>
+                  <a:schemeClr val="bg2"/>
+                </a:solidFill>
+              </a:rPr>
+              <a:t>Este proyecto se divide en 4 </a:t>
+            </a:r>
+            <a:r>
+              <a:rPr lang="es-ES" sz="1800" dirty="0" err="1">
+                <a:solidFill>
+                  <a:schemeClr val="bg2"/>
+                </a:solidFill>
+              </a:rPr>
+              <a:t>sprints</a:t>
+            </a:r>
+            <a:r>
+              <a:rPr lang="es-ES" sz="1800" dirty="0">
+                <a:solidFill>
+                  <a:schemeClr val="bg2"/>
+                </a:solidFill>
+              </a:rPr>
+              <a:t>, en los cuales se trabajará, así:</a:t>
+            </a:r>
+          </a:p>
+          <a:p>
+            <a:pPr algn="just"/>
+            <a:endParaRPr lang="es-ES" sz="1800" dirty="0">
+              <a:solidFill>
+                <a:schemeClr val="bg2"/>
+              </a:solidFill>
+            </a:endParaRPr>
+          </a:p>
+          <a:p>
+            <a:pPr algn="just"/>
+            <a:r>
+              <a:rPr lang="es-ES" sz="1800" dirty="0">
+                <a:solidFill>
+                  <a:schemeClr val="bg2"/>
+                </a:solidFill>
+              </a:rPr>
+              <a:t>Planificación del sprint: El equipo define los objetivos del sprint y selecciona las tareas a realizar en cada uno de los 4 </a:t>
+            </a:r>
+            <a:r>
+              <a:rPr lang="es-ES" sz="1800" dirty="0" err="1">
+                <a:solidFill>
+                  <a:schemeClr val="bg2"/>
+                </a:solidFill>
+              </a:rPr>
+              <a:t>sprints</a:t>
+            </a:r>
+            <a:r>
+              <a:rPr lang="es-ES" sz="1800" dirty="0">
+                <a:solidFill>
+                  <a:schemeClr val="bg2"/>
+                </a:solidFill>
+              </a:rPr>
+              <a:t>.</a:t>
+            </a:r>
+          </a:p>
+          <a:p>
+            <a:pPr algn="just"/>
+            <a:r>
+              <a:rPr lang="es-ES" sz="1800" dirty="0" err="1">
+                <a:solidFill>
+                  <a:schemeClr val="bg2"/>
+                </a:solidFill>
+              </a:rPr>
+              <a:t>Daily</a:t>
+            </a:r>
+            <a:r>
+              <a:rPr lang="es-ES" sz="1800" dirty="0">
+                <a:solidFill>
+                  <a:schemeClr val="bg2"/>
+                </a:solidFill>
+              </a:rPr>
+              <a:t> Scrum: El equipo se reúne diariamente para compartir el progreso, identificar impedimentos y establecer prioridades.</a:t>
+            </a:r>
+          </a:p>
+          <a:p>
+            <a:pPr algn="just"/>
+            <a:r>
+              <a:rPr lang="es-ES" sz="1800" dirty="0">
+                <a:solidFill>
+                  <a:schemeClr val="bg2"/>
+                </a:solidFill>
+              </a:rPr>
+              <a:t>Revisión del sprint: Al final de cada sprint, el equipo revisa las funcionalidades y recibe retroalimentación.</a:t>
+            </a:r>
+          </a:p>
+          <a:p>
+            <a:pPr algn="just"/>
+            <a:r>
+              <a:rPr lang="es-ES" sz="1800" dirty="0">
+                <a:solidFill>
+                  <a:schemeClr val="bg2"/>
+                </a:solidFill>
+              </a:rPr>
+              <a:t>Retrospectiva del sprint: El equipo analiza lo que se hizo bien y lo que se puede mejorar en el siguiente sprint, para asegurar una mejora continua.</a:t>
+            </a:r>
+          </a:p>
+          <a:p>
+            <a:pPr algn="just"/>
+            <a:endParaRPr lang="es-ES" sz="1800" dirty="0">
+              <a:solidFill>
+                <a:schemeClr val="bg2"/>
+              </a:solidFill>
+            </a:endParaRPr>
+          </a:p>
+          <a:p>
+            <a:pPr algn="just"/>
+            <a:r>
+              <a:rPr lang="es-ES" sz="1800" dirty="0">
+                <a:solidFill>
+                  <a:schemeClr val="bg2"/>
+                </a:solidFill>
+              </a:rPr>
+              <a:t>El proyecto se gestionó en el tablero de </a:t>
+            </a:r>
+            <a:r>
+              <a:rPr lang="es-ES" sz="1800" dirty="0" err="1">
+                <a:solidFill>
+                  <a:schemeClr val="bg2"/>
+                </a:solidFill>
+              </a:rPr>
+              <a:t>trello</a:t>
+            </a:r>
+            <a:r>
+              <a:rPr lang="es-ES" sz="1800" dirty="0">
+                <a:solidFill>
+                  <a:schemeClr val="bg2"/>
+                </a:solidFill>
+              </a:rPr>
+              <a:t> con link:</a:t>
+            </a:r>
+          </a:p>
+          <a:p>
+            <a:pPr algn="just"/>
+            <a:r>
+              <a:rPr lang="es-ES" sz="1800" dirty="0">
+                <a:solidFill>
+                  <a:schemeClr val="bg2"/>
+                </a:solidFill>
+              </a:rPr>
+              <a:t>https://trello.com/b/UKXbBNq2/tifstore</a:t>
+            </a:r>
+            <a:endParaRPr lang="es-PE" sz="1800" dirty="0"/>
+          </a:p>
+        </p:txBody>
+      </p:sp>
     </p:spTree>
     <p:extLst>
       <p:ext uri="{BB962C8B-B14F-4D97-AF65-F5344CB8AC3E}">
-        <p14:creationId xmlns:p14="http://schemas.microsoft.com/office/powerpoint/2010/main" val="3150007912"/>
+        <p14:creationId xmlns:p14="http://schemas.microsoft.com/office/powerpoint/2010/main" val="2345759070"/>
       </p:ext>
     </p:extLst>
   </p:cSld>
@@ -8305,10 +8392,10 @@
       </p:grpSpPr>
       <p:sp>
         <p:nvSpPr>
-          <p:cNvPr id="87" name="Título 1">
+          <p:cNvPr id="2" name="Marcador de contenido 1">
             <a:extLst>
               <a:ext uri="{FF2B5EF4-FFF2-40B4-BE49-F238E27FC236}">
-                <a16:creationId xmlns:a16="http://schemas.microsoft.com/office/drawing/2014/main" id="{5605051C-82C9-BA4C-B093-63413C28DC54}"/>
+                <a16:creationId xmlns:a16="http://schemas.microsoft.com/office/drawing/2014/main" id="{78C39AD2-2255-A246-BCF6-C9A813FBADD3}"/>
               </a:ext>
             </a:extLst>
           </p:cNvPr>
@@ -8316,80 +8403,31 @@
             <a:spLocks noGrp="1"/>
           </p:cNvSpPr>
           <p:nvPr>
-            <p:ph type="title"/>
+            <p:ph idx="1"/>
           </p:nvPr>
         </p:nvSpPr>
         <p:spPr>
           <a:xfrm>
-            <a:off x="1387954" y="864906"/>
-            <a:ext cx="10194444" cy="430887"/>
+            <a:off x="1298618" y="0"/>
+            <a:ext cx="4181572" cy="4854044"/>
           </a:xfrm>
-          <a:noFill/>
-          <a:ln>
-            <a:noFill/>
-          </a:ln>
         </p:spPr>
         <p:txBody>
-          <a:bodyPr vert="horz" wrap="square" lIns="0" tIns="0" rIns="0" bIns="0" rtlCol="0" anchor="b" anchorCtr="0">
-            <a:spAutoFit/>
-          </a:bodyPr>
+          <a:bodyPr anchor="ctr"/>
           <a:lstStyle/>
           <a:p>
-            <a:pPr algn="l" defTabSz="914400"/>
             <a:r>
               <a:rPr lang="es-MX" dirty="0"/>
-              <a:t>Rol vendedor:</a:t>
-            </a:r>
-            <a:endParaRPr lang="es-CL" dirty="0">
-              <a:solidFill>
-                <a:schemeClr val="tx2">
-                  <a:lumMod val="75000"/>
-                </a:schemeClr>
-              </a:solidFill>
-              <a:latin typeface="+mn-lt"/>
-              <a:ea typeface="+mn-ea"/>
-              <a:cs typeface="Lato Light"/>
-            </a:endParaRPr>
+              <a:t>Requerimientos del sistema</a:t>
+            </a:r>
+            <a:endParaRPr lang="es-PE" dirty="0"/>
           </a:p>
         </p:txBody>
       </p:sp>
-      <p:pic>
-        <p:nvPicPr>
-          <p:cNvPr id="21" name="Imagen 20"/>
-          <p:cNvPicPr/>
-          <p:nvPr/>
-        </p:nvPicPr>
-        <p:blipFill>
-          <a:blip r:embed="rId2" cstate="print">
-            <a:extLst>
-              <a:ext uri="{28A0092B-C50C-407E-A947-70E740481C1C}">
-                <a14:useLocalDpi xmlns:a14="http://schemas.microsoft.com/office/drawing/2010/main" val="0"/>
-              </a:ext>
-            </a:extLst>
-          </a:blip>
-          <a:srcRect/>
-          <a:stretch>
-            <a:fillRect/>
-          </a:stretch>
-        </p:blipFill>
-        <p:spPr bwMode="auto">
-          <a:xfrm>
-            <a:off x="2096085" y="1647485"/>
-            <a:ext cx="7868530" cy="4167161"/>
-          </a:xfrm>
-          <a:prstGeom prst="rect">
-            <a:avLst/>
-          </a:prstGeom>
-          <a:noFill/>
-          <a:ln>
-            <a:noFill/>
-          </a:ln>
-        </p:spPr>
-      </p:pic>
     </p:spTree>
     <p:extLst>
       <p:ext uri="{BB962C8B-B14F-4D97-AF65-F5344CB8AC3E}">
-        <p14:creationId xmlns:p14="http://schemas.microsoft.com/office/powerpoint/2010/main" val="616463572"/>
+        <p14:creationId xmlns:p14="http://schemas.microsoft.com/office/powerpoint/2010/main" val="873385911"/>
       </p:ext>
     </p:extLst>
   </p:cSld>
@@ -8430,7 +8468,13 @@
       </p:grpSpPr>
       <p:sp>
         <p:nvSpPr>
-          <p:cNvPr id="2" name="Título 1"/>
+          <p:cNvPr id="80" name="Título 1">
+            <a:extLst>
+              <a:ext uri="{FF2B5EF4-FFF2-40B4-BE49-F238E27FC236}">
+                <a16:creationId xmlns:a16="http://schemas.microsoft.com/office/drawing/2014/main" id="{7542B37D-8F5F-6940-8FD1-494C1B7AF72D}"/>
+              </a:ext>
+            </a:extLst>
+          </p:cNvPr>
           <p:cNvSpPr>
             <a:spLocks noGrp="1"/>
           </p:cNvSpPr>
@@ -8440,53 +8484,429 @@
         </p:nvSpPr>
         <p:spPr>
           <a:xfrm>
-            <a:off x="-2152414" y="614267"/>
-            <a:ext cx="10194444" cy="859371"/>
+            <a:off x="1387955" y="613066"/>
+            <a:ext cx="10194444" cy="430887"/>
           </a:xfrm>
+          <a:noFill/>
+          <a:ln>
+            <a:noFill/>
+          </a:ln>
         </p:spPr>
         <p:txBody>
-          <a:bodyPr/>
+          <a:bodyPr vert="horz" wrap="square" lIns="0" tIns="0" rIns="0" bIns="0" rtlCol="0" anchor="b" anchorCtr="0">
+            <a:spAutoFit/>
+          </a:bodyPr>
           <a:lstStyle/>
           <a:p>
-            <a:r>
-              <a:rPr lang="es-ES" dirty="0"/>
-              <a:t>Rol cliente:</a:t>
-            </a:r>
-            <a:br>
-              <a:rPr lang="es-ES" dirty="0"/>
-            </a:br>
-            <a:endParaRPr lang="es-MX" dirty="0"/>
+            <a:pPr algn="l" defTabSz="914400"/>
+            <a:r>
+              <a:rPr lang="es-ES" dirty="0">
+                <a:solidFill>
+                  <a:schemeClr val="tx2">
+                    <a:lumMod val="75000"/>
+                  </a:schemeClr>
+                </a:solidFill>
+                <a:latin typeface="+mn-lt"/>
+                <a:ea typeface="+mn-ea"/>
+                <a:cs typeface="Lato Light"/>
+              </a:rPr>
+              <a:t>Requerimientos de sistema</a:t>
+            </a:r>
+            <a:endParaRPr lang="es-CL" dirty="0">
+              <a:solidFill>
+                <a:schemeClr val="tx2">
+                  <a:lumMod val="75000"/>
+                </a:schemeClr>
+              </a:solidFill>
+              <a:latin typeface="+mn-lt"/>
+              <a:ea typeface="+mn-ea"/>
+              <a:cs typeface="Lato Light"/>
+            </a:endParaRPr>
           </a:p>
         </p:txBody>
       </p:sp>
-      <p:pic>
-        <p:nvPicPr>
-          <p:cNvPr id="3" name="Imagen 2"/>
-          <p:cNvPicPr>
-            <a:picLocks noChangeAspect="1"/>
-          </p:cNvPicPr>
+      <p:sp>
+        <p:nvSpPr>
+          <p:cNvPr id="81" name="Marcador de contenido 3">
+            <a:extLst>
+              <a:ext uri="{FF2B5EF4-FFF2-40B4-BE49-F238E27FC236}">
+                <a16:creationId xmlns:a16="http://schemas.microsoft.com/office/drawing/2014/main" id="{C24A2C55-B2A8-DFF9-361F-96D8D76B5656}"/>
+              </a:ext>
+            </a:extLst>
+          </p:cNvPr>
+          <p:cNvSpPr txBox="1">
+            <a:spLocks/>
+          </p:cNvSpPr>
           <p:nvPr/>
-        </p:nvPicPr>
-        <p:blipFill>
-          <a:blip r:embed="rId2"/>
-          <a:stretch>
-            <a:fillRect/>
-          </a:stretch>
-        </p:blipFill>
+        </p:nvSpPr>
         <p:spPr>
           <a:xfrm>
-            <a:off x="876642" y="1843902"/>
-            <a:ext cx="10648832" cy="3009452"/>
+            <a:off x="622978" y="1478210"/>
+            <a:ext cx="6715667" cy="4521374"/>
           </a:xfrm>
           <a:prstGeom prst="rect">
             <a:avLst/>
           </a:prstGeom>
         </p:spPr>
-      </p:pic>
+        <p:txBody>
+          <a:bodyPr>
+            <a:normAutofit fontScale="85000" lnSpcReduction="20000"/>
+          </a:bodyPr>
+          <a:lstStyle>
+            <a:lvl1pPr marL="0" indent="0" algn="l" defTabSz="457200" rtl="0" eaLnBrk="1" latinLnBrk="0" hangingPunct="1">
+              <a:spcBef>
+                <a:spcPts val="0"/>
+              </a:spcBef>
+              <a:spcAft>
+                <a:spcPts val="600"/>
+              </a:spcAft>
+              <a:buFontTx/>
+              <a:buNone/>
+              <a:defRPr sz="2000" kern="1200">
+                <a:solidFill>
+                  <a:schemeClr val="tx1"/>
+                </a:solidFill>
+                <a:latin typeface="+mn-lt"/>
+                <a:ea typeface="+mn-ea"/>
+                <a:cs typeface="Arial"/>
+              </a:defRPr>
+            </a:lvl1pPr>
+            <a:lvl2pPr marL="230188" indent="-230188" algn="l" defTabSz="457200" rtl="0" eaLnBrk="1" latinLnBrk="0" hangingPunct="1">
+              <a:spcBef>
+                <a:spcPts val="0"/>
+              </a:spcBef>
+              <a:spcAft>
+                <a:spcPts val="600"/>
+              </a:spcAft>
+              <a:buSzPct val="90000"/>
+              <a:buFont typeface="Calibri" panose="020F0502020204030204" pitchFamily="34" charset="0"/>
+              <a:buChar char="•"/>
+              <a:defRPr sz="2000" kern="1200">
+                <a:solidFill>
+                  <a:schemeClr val="tx1"/>
+                </a:solidFill>
+                <a:latin typeface="+mn-lt"/>
+                <a:ea typeface="+mn-ea"/>
+                <a:cs typeface="Arial"/>
+              </a:defRPr>
+            </a:lvl2pPr>
+            <a:lvl3pPr marL="455613" indent="-225425" algn="l" defTabSz="457200" rtl="0" eaLnBrk="1" latinLnBrk="0" hangingPunct="1">
+              <a:spcBef>
+                <a:spcPts val="0"/>
+              </a:spcBef>
+              <a:spcAft>
+                <a:spcPts val="600"/>
+              </a:spcAft>
+              <a:buFont typeface="Lucida Grande"/>
+              <a:buChar char="-"/>
+              <a:defRPr sz="1800" kern="1200">
+                <a:solidFill>
+                  <a:schemeClr val="tx1"/>
+                </a:solidFill>
+                <a:latin typeface="+mn-lt"/>
+                <a:ea typeface="+mn-ea"/>
+                <a:cs typeface="Arial"/>
+              </a:defRPr>
+            </a:lvl3pPr>
+            <a:lvl4pPr marL="685800" indent="-230188" algn="l" defTabSz="457200" rtl="0" eaLnBrk="1" latinLnBrk="0" hangingPunct="1">
+              <a:spcBef>
+                <a:spcPts val="0"/>
+              </a:spcBef>
+              <a:spcAft>
+                <a:spcPts val="300"/>
+              </a:spcAft>
+              <a:buFont typeface="Lucida Grande"/>
+              <a:buChar char="‣"/>
+              <a:defRPr sz="1600" kern="1200">
+                <a:solidFill>
+                  <a:schemeClr val="tx1"/>
+                </a:solidFill>
+                <a:latin typeface="+mn-lt"/>
+                <a:ea typeface="+mn-ea"/>
+                <a:cs typeface="Arial"/>
+              </a:defRPr>
+            </a:lvl4pPr>
+            <a:lvl5pPr marL="917575" indent="-231775" algn="l" defTabSz="457200" rtl="0" eaLnBrk="1" latinLnBrk="0" hangingPunct="1">
+              <a:spcBef>
+                <a:spcPts val="0"/>
+              </a:spcBef>
+              <a:spcAft>
+                <a:spcPts val="300"/>
+              </a:spcAft>
+              <a:buSzPct val="110000"/>
+              <a:buFont typeface="Arial"/>
+              <a:buChar char="◦"/>
+              <a:defRPr sz="1600" kern="1200">
+                <a:solidFill>
+                  <a:schemeClr val="tx1"/>
+                </a:solidFill>
+                <a:latin typeface="+mn-lt"/>
+                <a:ea typeface="+mn-ea"/>
+                <a:cs typeface="Arial"/>
+              </a:defRPr>
+            </a:lvl5pPr>
+            <a:lvl6pPr marL="2514600" indent="-228600" algn="l" defTabSz="457200" rtl="0" eaLnBrk="1" latinLnBrk="0" hangingPunct="1">
+              <a:spcBef>
+                <a:spcPct val="20000"/>
+              </a:spcBef>
+              <a:buFont typeface="Arial"/>
+              <a:buChar char="•"/>
+              <a:defRPr sz="2000" kern="1200">
+                <a:solidFill>
+                  <a:schemeClr val="tx1"/>
+                </a:solidFill>
+                <a:latin typeface="+mn-lt"/>
+                <a:ea typeface="+mn-ea"/>
+                <a:cs typeface="+mn-cs"/>
+              </a:defRPr>
+            </a:lvl6pPr>
+            <a:lvl7pPr marL="2971800" indent="-228600" algn="l" defTabSz="457200" rtl="0" eaLnBrk="1" latinLnBrk="0" hangingPunct="1">
+              <a:spcBef>
+                <a:spcPct val="20000"/>
+              </a:spcBef>
+              <a:buFont typeface="Arial"/>
+              <a:buChar char="•"/>
+              <a:defRPr sz="2000" kern="1200">
+                <a:solidFill>
+                  <a:schemeClr val="tx1"/>
+                </a:solidFill>
+                <a:latin typeface="+mn-lt"/>
+                <a:ea typeface="+mn-ea"/>
+                <a:cs typeface="+mn-cs"/>
+              </a:defRPr>
+            </a:lvl7pPr>
+            <a:lvl8pPr marL="3429000" indent="-228600" algn="l" defTabSz="457200" rtl="0" eaLnBrk="1" latinLnBrk="0" hangingPunct="1">
+              <a:spcBef>
+                <a:spcPct val="20000"/>
+              </a:spcBef>
+              <a:buFont typeface="Arial"/>
+              <a:buChar char="•"/>
+              <a:defRPr sz="2000" kern="1200">
+                <a:solidFill>
+                  <a:schemeClr val="tx1"/>
+                </a:solidFill>
+                <a:latin typeface="+mn-lt"/>
+                <a:ea typeface="+mn-ea"/>
+                <a:cs typeface="+mn-cs"/>
+              </a:defRPr>
+            </a:lvl8pPr>
+            <a:lvl9pPr marL="3886200" indent="-228600" algn="l" defTabSz="457200" rtl="0" eaLnBrk="1" latinLnBrk="0" hangingPunct="1">
+              <a:spcBef>
+                <a:spcPct val="20000"/>
+              </a:spcBef>
+              <a:buFont typeface="Arial"/>
+              <a:buChar char="•"/>
+              <a:defRPr sz="2000" kern="1200">
+                <a:solidFill>
+                  <a:schemeClr val="tx1"/>
+                </a:solidFill>
+                <a:latin typeface="+mn-lt"/>
+                <a:ea typeface="+mn-ea"/>
+                <a:cs typeface="+mn-cs"/>
+              </a:defRPr>
+            </a:lvl9pPr>
+          </a:lstStyle>
+          <a:p>
+            <a:pPr marL="342900" indent="-342900">
+              <a:buFont typeface="Arial" panose="020B0604020202020204" pitchFamily="34" charset="0"/>
+              <a:buChar char="•"/>
+            </a:pPr>
+            <a:r>
+              <a:rPr lang="es-ES" sz="2400" dirty="0">
+                <a:solidFill>
+                  <a:schemeClr val="bg2"/>
+                </a:solidFill>
+              </a:rPr>
+              <a:t>Sistema de ventas en línea</a:t>
+            </a:r>
+          </a:p>
+          <a:p>
+            <a:pPr marL="342900" indent="-342900">
+              <a:buFont typeface="Arial" panose="020B0604020202020204" pitchFamily="34" charset="0"/>
+              <a:buChar char="•"/>
+            </a:pPr>
+            <a:r>
+              <a:rPr lang="es-ES" sz="2400" dirty="0">
+                <a:solidFill>
+                  <a:schemeClr val="bg2"/>
+                </a:solidFill>
+              </a:rPr>
+              <a:t>Trazabilidad de las transacciones realizadas</a:t>
+            </a:r>
+          </a:p>
+          <a:p>
+            <a:pPr marL="342900" indent="-342900">
+              <a:buFont typeface="Arial" panose="020B0604020202020204" pitchFamily="34" charset="0"/>
+              <a:buChar char="•"/>
+            </a:pPr>
+            <a:r>
+              <a:rPr lang="es-ES" sz="2400" dirty="0">
+                <a:solidFill>
+                  <a:schemeClr val="bg2"/>
+                </a:solidFill>
+              </a:rPr>
+              <a:t>Capacidad de controlar inventarios</a:t>
+            </a:r>
+          </a:p>
+          <a:p>
+            <a:pPr marL="342900" indent="-342900">
+              <a:buFont typeface="Arial" panose="020B0604020202020204" pitchFamily="34" charset="0"/>
+              <a:buChar char="•"/>
+            </a:pPr>
+            <a:r>
+              <a:rPr lang="es-ES" sz="2400" dirty="0">
+                <a:solidFill>
+                  <a:schemeClr val="bg2"/>
+                </a:solidFill>
+              </a:rPr>
+              <a:t>Roles del sistema: vendedor, cliente, administrador</a:t>
+            </a:r>
+          </a:p>
+          <a:p>
+            <a:pPr marL="342900" indent="-342900">
+              <a:buFont typeface="Arial" panose="020B0604020202020204" pitchFamily="34" charset="0"/>
+              <a:buChar char="•"/>
+            </a:pPr>
+            <a:r>
+              <a:rPr lang="es-ES" sz="2400" dirty="0">
+                <a:solidFill>
+                  <a:schemeClr val="bg2"/>
+                </a:solidFill>
+              </a:rPr>
+              <a:t>Métodos de autenticación.</a:t>
+            </a:r>
+          </a:p>
+          <a:p>
+            <a:pPr marL="342900" indent="-342900">
+              <a:buFont typeface="Arial" panose="020B0604020202020204" pitchFamily="34" charset="0"/>
+              <a:buChar char="•"/>
+            </a:pPr>
+            <a:r>
+              <a:rPr lang="es-ES" sz="2400" dirty="0">
+                <a:solidFill>
+                  <a:schemeClr val="bg2"/>
+                </a:solidFill>
+              </a:rPr>
+              <a:t>Gestión de usuarios.</a:t>
+            </a:r>
+          </a:p>
+          <a:p>
+            <a:pPr marL="342900" indent="-342900">
+              <a:buFont typeface="Arial" panose="020B0604020202020204" pitchFamily="34" charset="0"/>
+              <a:buChar char="•"/>
+            </a:pPr>
+            <a:r>
+              <a:rPr lang="es-ES" sz="2400" dirty="0">
+                <a:solidFill>
+                  <a:schemeClr val="bg2"/>
+                </a:solidFill>
+              </a:rPr>
+              <a:t>Ingresar inventario al sistema a través de las compras que se hayan realizado.</a:t>
+            </a:r>
+          </a:p>
+          <a:p>
+            <a:pPr marL="342900" indent="-342900">
+              <a:buFont typeface="Arial" panose="020B0604020202020204" pitchFamily="34" charset="0"/>
+              <a:buChar char="•"/>
+            </a:pPr>
+            <a:r>
+              <a:rPr lang="es-ES" sz="2400" dirty="0">
+                <a:solidFill>
+                  <a:schemeClr val="bg2"/>
+                </a:solidFill>
+              </a:rPr>
+              <a:t>Cerrar las transacciones luego de máximo 10 minutos de inactividad.</a:t>
+            </a:r>
+          </a:p>
+          <a:p>
+            <a:pPr marL="342900" indent="-342900">
+              <a:buFont typeface="Arial" panose="020B0604020202020204" pitchFamily="34" charset="0"/>
+              <a:buChar char="•"/>
+            </a:pPr>
+            <a:r>
+              <a:rPr lang="es-ES" sz="2400" dirty="0">
+                <a:solidFill>
+                  <a:schemeClr val="bg2"/>
+                </a:solidFill>
+              </a:rPr>
+              <a:t>Exigir características especiales a las contraseñas: mínimo de 8 caracteres, símbolos, números, mayúsculas y minúsculas.</a:t>
+            </a:r>
+          </a:p>
+          <a:p>
+            <a:pPr marL="342900" indent="-342900">
+              <a:buFont typeface="Arial" panose="020B0604020202020204" pitchFamily="34" charset="0"/>
+              <a:buChar char="•"/>
+            </a:pPr>
+            <a:r>
+              <a:rPr lang="es-ES" sz="2400" dirty="0">
+                <a:solidFill>
+                  <a:schemeClr val="bg2"/>
+                </a:solidFill>
+              </a:rPr>
+              <a:t>Control de bloqueo de cuenta después de un máximo de 3 intentos erróneos.</a:t>
+            </a:r>
+          </a:p>
+          <a:p>
+            <a:pPr marL="342900" indent="-342900">
+              <a:buFont typeface="Arial" panose="020B0604020202020204" pitchFamily="34" charset="0"/>
+              <a:buChar char="•"/>
+            </a:pPr>
+            <a:endParaRPr lang="es-PE" sz="2400" dirty="0">
+              <a:solidFill>
+                <a:schemeClr val="bg2"/>
+              </a:solidFill>
+            </a:endParaRPr>
+          </a:p>
+          <a:p>
+            <a:pPr marL="744538" lvl="1" indent="-457200">
+              <a:buFont typeface="+mj-lt"/>
+              <a:buAutoNum type="arabicPeriod"/>
+            </a:pPr>
+            <a:endParaRPr lang="es-PE" dirty="0"/>
+          </a:p>
+          <a:p>
+            <a:pPr marL="744538" lvl="1" indent="-457200">
+              <a:buFont typeface="+mj-lt"/>
+              <a:buAutoNum type="arabicPeriod"/>
+            </a:pPr>
+            <a:endParaRPr lang="es-PE" dirty="0"/>
+          </a:p>
+          <a:p>
+            <a:pPr marL="744538" lvl="1" indent="-457200">
+              <a:buFont typeface="+mj-lt"/>
+              <a:buAutoNum type="arabicPeriod"/>
+            </a:pPr>
+            <a:endParaRPr lang="es-PE" dirty="0"/>
+          </a:p>
+          <a:p>
+            <a:pPr marL="744538" lvl="1" indent="-457200">
+              <a:buFont typeface="+mj-lt"/>
+              <a:buAutoNum type="arabicPeriod"/>
+            </a:pPr>
+            <a:endParaRPr lang="es-PE" dirty="0"/>
+          </a:p>
+          <a:p>
+            <a:pPr marL="744538" lvl="1" indent="-457200">
+              <a:buFont typeface="+mj-lt"/>
+              <a:buAutoNum type="arabicPeriod"/>
+            </a:pPr>
+            <a:endParaRPr lang="es-PE" dirty="0"/>
+          </a:p>
+          <a:p>
+            <a:endParaRPr lang="es-PE" dirty="0"/>
+          </a:p>
+          <a:p>
+            <a:endParaRPr lang="es-PE" dirty="0"/>
+          </a:p>
+          <a:p>
+            <a:endParaRPr lang="es-PE" dirty="0"/>
+          </a:p>
+        </p:txBody>
+      </p:sp>
     </p:spTree>
     <p:extLst>
       <p:ext uri="{BB962C8B-B14F-4D97-AF65-F5344CB8AC3E}">
-        <p14:creationId xmlns:p14="http://schemas.microsoft.com/office/powerpoint/2010/main" val="464043530"/>
+        <p14:creationId xmlns:p14="http://schemas.microsoft.com/office/powerpoint/2010/main" val="174924296"/>
       </p:ext>
     </p:extLst>
   </p:cSld>
@@ -8543,7 +8963,7 @@
         </p:nvSpPr>
         <p:spPr>
           <a:xfrm>
-            <a:off x="1298618" y="0"/>
+            <a:off x="993818" y="1001978"/>
             <a:ext cx="4181572" cy="4854044"/>
           </a:xfrm>
         </p:spPr>
@@ -8551,9 +8971,19 @@
           <a:bodyPr anchor="ctr"/>
           <a:lstStyle/>
           <a:p>
-            <a:r>
-              <a:rPr lang="es-MX" dirty="0"/>
-              <a:t>Requerimientos del sistema</a:t>
+            <a:pPr algn="ctr"/>
+            <a:r>
+              <a:rPr lang="es-ES" dirty="0">
+                <a:solidFill>
+                  <a:schemeClr val="tx2">
+                    <a:lumMod val="75000"/>
+                  </a:schemeClr>
+                </a:solidFill>
+                <a:latin typeface="+mn-lt"/>
+                <a:ea typeface="+mn-ea"/>
+                <a:cs typeface="Lato Light"/>
+              </a:rPr>
+              <a:t>Roles del sistema</a:t>
             </a:r>
             <a:endParaRPr lang="es-PE" dirty="0"/>
           </a:p>
@@ -8562,7 +8992,7 @@
     </p:spTree>
     <p:extLst>
       <p:ext uri="{BB962C8B-B14F-4D97-AF65-F5344CB8AC3E}">
-        <p14:creationId xmlns:p14="http://schemas.microsoft.com/office/powerpoint/2010/main" val="873385911"/>
+        <p14:creationId xmlns:p14="http://schemas.microsoft.com/office/powerpoint/2010/main" val="2556971083"/>
       </p:ext>
     </p:extLst>
   </p:cSld>
@@ -9216,6 +9646,15 @@
 </file>
 
 <file path=customXml/item2.xml><?xml version="1.0" encoding="utf-8"?>
+<?mso-contentType ?>
+<FormTemplates xmlns="http://schemas.microsoft.com/sharepoint/v3/contenttype/forms">
+  <Display>DocumentLibraryForm</Display>
+  <Edit>DocumentLibraryForm</Edit>
+  <New>DocumentLibraryForm</New>
+</FormTemplates>
+</file>
+
+<file path=customXml/item3.xml><?xml version="1.0" encoding="utf-8"?>
 <ct:contentTypeSchema xmlns:ct="http://schemas.microsoft.com/office/2006/metadata/contentType" xmlns:ma="http://schemas.microsoft.com/office/2006/metadata/properties/metaAttributes" ct:_="" ma:_="" ma:contentTypeName="Documento" ma:contentTypeID="0x010100E1B2E3D0AEEC7340A09D8FD78C38A13C" ma:contentTypeVersion="11" ma:contentTypeDescription="Crear nuevo documento." ma:contentTypeScope="" ma:versionID="adf254315a00692eabcb903ba5b3872a">
   <xsd:schema xmlns:xsd="http://www.w3.org/2001/XMLSchema" xmlns:xs="http://www.w3.org/2001/XMLSchema" xmlns:p="http://schemas.microsoft.com/office/2006/metadata/properties" xmlns:ns2="c876746a-ac9c-4dfb-b1cf-ee0dcc9f29c1" xmlns:ns3="edf58c9f-4424-4ea8-80f2-eb9a1fbfbbf7" targetNamespace="http://schemas.microsoft.com/office/2006/metadata/properties" ma:root="true" ma:fieldsID="3895c6bf242f33e2c7116a79982390c0" ns2:_="" ns3:_="">
     <xsd:import namespace="c876746a-ac9c-4dfb-b1cf-ee0dcc9f29c1"/>
@@ -9410,15 +9849,6 @@
 </ct:contentTypeSchema>
 </file>
 
-<file path=customXml/item3.xml><?xml version="1.0" encoding="utf-8"?>
-<?mso-contentType ?>
-<FormTemplates xmlns="http://schemas.microsoft.com/sharepoint/v3/contenttype/forms">
-  <Display>DocumentLibraryForm</Display>
-  <Edit>DocumentLibraryForm</Edit>
-  <New>DocumentLibraryForm</New>
-</FormTemplates>
-</file>
-
 <file path=customXml/itemProps1.xml><?xml version="1.0" encoding="utf-8"?>
 <ds:datastoreItem xmlns:ds="http://schemas.openxmlformats.org/officeDocument/2006/customXml" ds:itemID="{9094623D-B19D-4F1B-931B-647D5EFCD6AA}">
   <ds:schemaRefs>
@@ -9437,6 +9867,14 @@
 </file>
 
 <file path=customXml/itemProps2.xml><?xml version="1.0" encoding="utf-8"?>
+<ds:datastoreItem xmlns:ds="http://schemas.openxmlformats.org/officeDocument/2006/customXml" ds:itemID="{6EF8A025-7369-4270-AEEE-5ECE2C84909B}">
+  <ds:schemaRefs>
+    <ds:schemaRef ds:uri="http://schemas.microsoft.com/sharepoint/v3/contenttype/forms"/>
+  </ds:schemaRefs>
+</ds:datastoreItem>
+</file>
+
+<file path=customXml/itemProps3.xml><?xml version="1.0" encoding="utf-8"?>
 <ds:datastoreItem xmlns:ds="http://schemas.openxmlformats.org/officeDocument/2006/customXml" ds:itemID="{FE84634D-D66D-4213-AE46-85387AA56D88}">
   <ds:schemaRefs>
     <ds:schemaRef ds:uri="http://schemas.microsoft.com/office/2006/metadata/contentType"/>
@@ -9453,12 +9891,4 @@
     <ds:schemaRef ds:uri="http://schemas.microsoft.com/internal/obd"/>
   </ds:schemaRefs>
 </ds:datastoreItem>
-</file>
-
-<file path=customXml/itemProps3.xml><?xml version="1.0" encoding="utf-8"?>
-<ds:datastoreItem xmlns:ds="http://schemas.openxmlformats.org/officeDocument/2006/customXml" ds:itemID="{6EF8A025-7369-4270-AEEE-5ECE2C84909B}">
-  <ds:schemaRefs>
-    <ds:schemaRef ds:uri="http://schemas.microsoft.com/sharepoint/v3/contenttype/forms"/>
-  </ds:schemaRefs>
-</ds:datastoreItem>
 </file>
--- a/src/assets/Documentación/TIF_Store_presentación.pptx
+++ b/src/assets/Documentación/TIF_Store_presentación.pptx
@@ -4970,12 +4970,8 @@
           <a:lstStyle/>
           <a:p>
             <a:r>
-              <a:rPr lang="es-PE" dirty="0" err="1"/>
-              <a:t>EMarzo</a:t>
-            </a:r>
-            <a:r>
               <a:rPr lang="es-PE" dirty="0"/>
-              <a:t> 2023</a:t>
+              <a:t>Marzo 2023</a:t>
             </a:r>
           </a:p>
         </p:txBody>
@@ -9635,26 +9631,6 @@
 </file>
 
 <file path=customXml/item1.xml><?xml version="1.0" encoding="utf-8"?>
-<p:properties xmlns:p="http://schemas.microsoft.com/office/2006/metadata/properties" xmlns:xsi="http://www.w3.org/2001/XMLSchema-instance" xmlns:pc="http://schemas.microsoft.com/office/infopath/2007/PartnerControls">
-  <documentManagement>
-    <TaxCatchAll xmlns="edf58c9f-4424-4ea8-80f2-eb9a1fbfbbf7" xsi:nil="true"/>
-    <lcf76f155ced4ddcb4097134ff3c332f xmlns="c876746a-ac9c-4dfb-b1cf-ee0dcc9f29c1">
-      <Terms xmlns="http://schemas.microsoft.com/office/infopath/2007/PartnerControls"/>
-    </lcf76f155ced4ddcb4097134ff3c332f>
-  </documentManagement>
-</p:properties>
-</file>
-
-<file path=customXml/item2.xml><?xml version="1.0" encoding="utf-8"?>
-<?mso-contentType ?>
-<FormTemplates xmlns="http://schemas.microsoft.com/sharepoint/v3/contenttype/forms">
-  <Display>DocumentLibraryForm</Display>
-  <Edit>DocumentLibraryForm</Edit>
-  <New>DocumentLibraryForm</New>
-</FormTemplates>
-</file>
-
-<file path=customXml/item3.xml><?xml version="1.0" encoding="utf-8"?>
 <ct:contentTypeSchema xmlns:ct="http://schemas.microsoft.com/office/2006/metadata/contentType" xmlns:ma="http://schemas.microsoft.com/office/2006/metadata/properties/metaAttributes" ct:_="" ma:_="" ma:contentTypeName="Documento" ma:contentTypeID="0x010100E1B2E3D0AEEC7340A09D8FD78C38A13C" ma:contentTypeVersion="11" ma:contentTypeDescription="Crear nuevo documento." ma:contentTypeScope="" ma:versionID="adf254315a00692eabcb903ba5b3872a">
   <xsd:schema xmlns:xsd="http://www.w3.org/2001/XMLSchema" xmlns:xs="http://www.w3.org/2001/XMLSchema" xmlns:p="http://schemas.microsoft.com/office/2006/metadata/properties" xmlns:ns2="c876746a-ac9c-4dfb-b1cf-ee0dcc9f29c1" xmlns:ns3="edf58c9f-4424-4ea8-80f2-eb9a1fbfbbf7" targetNamespace="http://schemas.microsoft.com/office/2006/metadata/properties" ma:root="true" ma:fieldsID="3895c6bf242f33e2c7116a79982390c0" ns2:_="" ns3:_="">
     <xsd:import namespace="c876746a-ac9c-4dfb-b1cf-ee0dcc9f29c1"/>
@@ -9849,32 +9825,27 @@
 </ct:contentTypeSchema>
 </file>
 
-<file path=customXml/itemProps1.xml><?xml version="1.0" encoding="utf-8"?>
-<ds:datastoreItem xmlns:ds="http://schemas.openxmlformats.org/officeDocument/2006/customXml" ds:itemID="{9094623D-B19D-4F1B-931B-647D5EFCD6AA}">
-  <ds:schemaRefs>
-    <ds:schemaRef ds:uri="http://purl.org/dc/terms/"/>
-    <ds:schemaRef ds:uri="http://schemas.openxmlformats.org/package/2006/metadata/core-properties"/>
-    <ds:schemaRef ds:uri="http://purl.org/dc/dcmitype/"/>
-    <ds:schemaRef ds:uri="http://schemas.microsoft.com/office/infopath/2007/PartnerControls"/>
-    <ds:schemaRef ds:uri="http://schemas.microsoft.com/office/2006/documentManagement/types"/>
-    <ds:schemaRef ds:uri="c876746a-ac9c-4dfb-b1cf-ee0dcc9f29c1"/>
-    <ds:schemaRef ds:uri="http://purl.org/dc/elements/1.1/"/>
-    <ds:schemaRef ds:uri="http://schemas.microsoft.com/office/2006/metadata/properties"/>
-    <ds:schemaRef ds:uri="edf58c9f-4424-4ea8-80f2-eb9a1fbfbbf7"/>
-    <ds:schemaRef ds:uri="http://www.w3.org/XML/1998/namespace"/>
-  </ds:schemaRefs>
-</ds:datastoreItem>
+<file path=customXml/item2.xml><?xml version="1.0" encoding="utf-8"?>
+<?mso-contentType ?>
+<FormTemplates xmlns="http://schemas.microsoft.com/sharepoint/v3/contenttype/forms">
+  <Display>DocumentLibraryForm</Display>
+  <Edit>DocumentLibraryForm</Edit>
+  <New>DocumentLibraryForm</New>
+</FormTemplates>
 </file>
 
-<file path=customXml/itemProps2.xml><?xml version="1.0" encoding="utf-8"?>
-<ds:datastoreItem xmlns:ds="http://schemas.openxmlformats.org/officeDocument/2006/customXml" ds:itemID="{6EF8A025-7369-4270-AEEE-5ECE2C84909B}">
-  <ds:schemaRefs>
-    <ds:schemaRef ds:uri="http://schemas.microsoft.com/sharepoint/v3/contenttype/forms"/>
-  </ds:schemaRefs>
-</ds:datastoreItem>
+<file path=customXml/item3.xml><?xml version="1.0" encoding="utf-8"?>
+<p:properties xmlns:p="http://schemas.microsoft.com/office/2006/metadata/properties" xmlns:xsi="http://www.w3.org/2001/XMLSchema-instance" xmlns:pc="http://schemas.microsoft.com/office/infopath/2007/PartnerControls">
+  <documentManagement>
+    <TaxCatchAll xmlns="edf58c9f-4424-4ea8-80f2-eb9a1fbfbbf7" xsi:nil="true"/>
+    <lcf76f155ced4ddcb4097134ff3c332f xmlns="c876746a-ac9c-4dfb-b1cf-ee0dcc9f29c1">
+      <Terms xmlns="http://schemas.microsoft.com/office/infopath/2007/PartnerControls"/>
+    </lcf76f155ced4ddcb4097134ff3c332f>
+  </documentManagement>
+</p:properties>
 </file>
 
-<file path=customXml/itemProps3.xml><?xml version="1.0" encoding="utf-8"?>
+<file path=customXml/itemProps1.xml><?xml version="1.0" encoding="utf-8"?>
 <ds:datastoreItem xmlns:ds="http://schemas.openxmlformats.org/officeDocument/2006/customXml" ds:itemID="{FE84634D-D66D-4213-AE46-85387AA56D88}">
   <ds:schemaRefs>
     <ds:schemaRef ds:uri="http://schemas.microsoft.com/office/2006/metadata/contentType"/>
@@ -9891,4 +9862,29 @@
     <ds:schemaRef ds:uri="http://schemas.microsoft.com/internal/obd"/>
   </ds:schemaRefs>
 </ds:datastoreItem>
+</file>
+
+<file path=customXml/itemProps2.xml><?xml version="1.0" encoding="utf-8"?>
+<ds:datastoreItem xmlns:ds="http://schemas.openxmlformats.org/officeDocument/2006/customXml" ds:itemID="{6EF8A025-7369-4270-AEEE-5ECE2C84909B}">
+  <ds:schemaRefs>
+    <ds:schemaRef ds:uri="http://schemas.microsoft.com/sharepoint/v3/contenttype/forms"/>
+  </ds:schemaRefs>
+</ds:datastoreItem>
+</file>
+
+<file path=customXml/itemProps3.xml><?xml version="1.0" encoding="utf-8"?>
+<ds:datastoreItem xmlns:ds="http://schemas.openxmlformats.org/officeDocument/2006/customXml" ds:itemID="{9094623D-B19D-4F1B-931B-647D5EFCD6AA}">
+  <ds:schemaRefs>
+    <ds:schemaRef ds:uri="http://purl.org/dc/terms/"/>
+    <ds:schemaRef ds:uri="http://schemas.openxmlformats.org/package/2006/metadata/core-properties"/>
+    <ds:schemaRef ds:uri="http://purl.org/dc/dcmitype/"/>
+    <ds:schemaRef ds:uri="http://schemas.microsoft.com/office/infopath/2007/PartnerControls"/>
+    <ds:schemaRef ds:uri="http://schemas.microsoft.com/office/2006/documentManagement/types"/>
+    <ds:schemaRef ds:uri="c876746a-ac9c-4dfb-b1cf-ee0dcc9f29c1"/>
+    <ds:schemaRef ds:uri="http://purl.org/dc/elements/1.1/"/>
+    <ds:schemaRef ds:uri="http://schemas.microsoft.com/office/2006/metadata/properties"/>
+    <ds:schemaRef ds:uri="edf58c9f-4424-4ea8-80f2-eb9a1fbfbbf7"/>
+    <ds:schemaRef ds:uri="http://www.w3.org/XML/1998/namespace"/>
+  </ds:schemaRefs>
+</ds:datastoreItem>
 </file>